--- a/PPTs/Idea - presentation.pptx
+++ b/PPTs/Idea - presentation.pptx
@@ -1,17 +1,17 @@
 
 <file path=ppt/presentation.xml><?xml version="1.0" encoding="utf-8"?>
-<p:presentation xmlns:a="http://schemas.openxmlformats.org/drawingml/2006/main" xmlns:r="http://schemas.openxmlformats.org/officeDocument/2006/relationships" xmlns:p="http://schemas.openxmlformats.org/presentationml/2006/main" xmlns:m="http://schemas.openxmlformats.org/officeDocument/2006/math" xmlns:a14="http://schemas.microsoft.com/office/drawing/2010/main">
+<p:presentation xmlns:a="http://schemas.openxmlformats.org/drawingml/2006/main" xmlns:r="http://schemas.openxmlformats.org/officeDocument/2006/relationships" xmlns:p="http://schemas.openxmlformats.org/presentationml/2006/main">
   <p:sldMasterIdLst>
-    <p:sldMasterId id="2147483648" r:id="rId5"/>
+    <p:sldMasterId id="2147483648" r:id="rId1"/>
   </p:sldMasterIdLst>
   <p:notesMasterIdLst>
-    <p:notesMasterId r:id="rId7"/>
+    <p:notesMasterId r:id="rId6"/>
   </p:notesMasterIdLst>
   <p:sldIdLst>
-    <p:sldId id="256" r:id="rId8"/>
-    <p:sldId id="257" r:id="rId9"/>
-    <p:sldId id="258" r:id="rId10"/>
-    <p:sldId id="259" r:id="rId11"/>
+    <p:sldId id="256" r:id="rId2"/>
+    <p:sldId id="257" r:id="rId3"/>
+    <p:sldId id="258" r:id="rId4"/>
+    <p:sldId id="259" r:id="rId5"/>
   </p:sldIdLst>
   <p:sldSz cx="24384000" cy="13716000"/>
   <p:notesSz cx="6858000" cy="9144000"/>
@@ -31,7 +31,7 @@
       <a:buFontTx/>
       <a:buNone/>
       <a:tabLst/>
-      <a:defRPr b="0" baseline="0" cap="none" i="0" spc="0" strike="noStrike" sz="1800" u="none" kumimoji="0" normalizeH="0">
+      <a:defRPr kumimoji="0" sz="1800" b="0" i="0" u="none" strike="noStrike" cap="none" spc="0" normalizeH="0" baseline="0">
         <a:ln>
           <a:noFill/>
         </a:ln>
@@ -57,7 +57,7 @@
       <a:buFontTx/>
       <a:buNone/>
       <a:tabLst/>
-      <a:defRPr b="0" baseline="0" cap="none" i="1" spc="39" strike="noStrike" sz="4000" u="none" kumimoji="0" normalizeH="0">
+      <a:defRPr kumimoji="0" sz="4000" b="0" i="1" u="none" strike="noStrike" cap="none" spc="39" normalizeH="0" baseline="0">
         <a:ln>
           <a:noFill/>
         </a:ln>
@@ -87,7 +87,7 @@
       <a:buFontTx/>
       <a:buNone/>
       <a:tabLst/>
-      <a:defRPr b="0" baseline="0" cap="none" i="1" spc="39" strike="noStrike" sz="4000" u="none" kumimoji="0" normalizeH="0">
+      <a:defRPr kumimoji="0" sz="4000" b="0" i="1" u="none" strike="noStrike" cap="none" spc="39" normalizeH="0" baseline="0">
         <a:ln>
           <a:noFill/>
         </a:ln>
@@ -117,7 +117,7 @@
       <a:buFontTx/>
       <a:buNone/>
       <a:tabLst/>
-      <a:defRPr b="0" baseline="0" cap="none" i="1" spc="39" strike="noStrike" sz="4000" u="none" kumimoji="0" normalizeH="0">
+      <a:defRPr kumimoji="0" sz="4000" b="0" i="1" u="none" strike="noStrike" cap="none" spc="39" normalizeH="0" baseline="0">
         <a:ln>
           <a:noFill/>
         </a:ln>
@@ -147,7 +147,7 @@
       <a:buFontTx/>
       <a:buNone/>
       <a:tabLst/>
-      <a:defRPr b="0" baseline="0" cap="none" i="1" spc="39" strike="noStrike" sz="4000" u="none" kumimoji="0" normalizeH="0">
+      <a:defRPr kumimoji="0" sz="4000" b="0" i="1" u="none" strike="noStrike" cap="none" spc="39" normalizeH="0" baseline="0">
         <a:ln>
           <a:noFill/>
         </a:ln>
@@ -177,7 +177,7 @@
       <a:buFontTx/>
       <a:buNone/>
       <a:tabLst/>
-      <a:defRPr b="0" baseline="0" cap="none" i="1" spc="39" strike="noStrike" sz="4000" u="none" kumimoji="0" normalizeH="0">
+      <a:defRPr kumimoji="0" sz="4000" b="0" i="1" u="none" strike="noStrike" cap="none" spc="39" normalizeH="0" baseline="0">
         <a:ln>
           <a:noFill/>
         </a:ln>
@@ -207,7 +207,7 @@
       <a:buFontTx/>
       <a:buNone/>
       <a:tabLst/>
-      <a:defRPr b="0" baseline="0" cap="none" i="1" spc="39" strike="noStrike" sz="4000" u="none" kumimoji="0" normalizeH="0">
+      <a:defRPr kumimoji="0" sz="4000" b="0" i="1" u="none" strike="noStrike" cap="none" spc="39" normalizeH="0" baseline="0">
         <a:ln>
           <a:noFill/>
         </a:ln>
@@ -237,7 +237,7 @@
       <a:buFontTx/>
       <a:buNone/>
       <a:tabLst/>
-      <a:defRPr b="0" baseline="0" cap="none" i="1" spc="39" strike="noStrike" sz="4000" u="none" kumimoji="0" normalizeH="0">
+      <a:defRPr kumimoji="0" sz="4000" b="0" i="1" u="none" strike="noStrike" cap="none" spc="39" normalizeH="0" baseline="0">
         <a:ln>
           <a:noFill/>
         </a:ln>
@@ -267,7 +267,7 @@
       <a:buFontTx/>
       <a:buNone/>
       <a:tabLst/>
-      <a:defRPr b="0" baseline="0" cap="none" i="1" spc="39" strike="noStrike" sz="4000" u="none" kumimoji="0" normalizeH="0">
+      <a:defRPr kumimoji="0" sz="4000" b="0" i="1" u="none" strike="noStrike" cap="none" spc="39" normalizeH="0" baseline="0">
         <a:ln>
           <a:noFill/>
         </a:ln>
@@ -297,7 +297,7 @@
       <a:buFontTx/>
       <a:buNone/>
       <a:tabLst/>
-      <a:defRPr b="0" baseline="0" cap="none" i="1" spc="39" strike="noStrike" sz="4000" u="none" kumimoji="0" normalizeH="0">
+      <a:defRPr kumimoji="0" sz="4000" b="0" i="1" u="none" strike="noStrike" cap="none" spc="39" normalizeH="0" baseline="0">
         <a:ln>
           <a:noFill/>
         </a:ln>
@@ -313,16 +313,22 @@
       </a:defRPr>
     </a:lvl9pPr>
   </p:defaultTextStyle>
+  <p:extLst>
+    <p:ext uri="{EFAFB233-063F-42B5-8137-9DF3F51BA10A}">
+      <p15:sldGuideLst xmlns:p15="http://schemas.microsoft.com/office/powerpoint/2012/main"/>
+    </p:ext>
+  </p:extLst>
 </p:presentation>
 </file>
 
-<file path=ppt/commentAuthors.xml><?xml version="1.0" encoding="utf-8"?>
-<p:cmAuthorLst xmlns:a="http://schemas.openxmlformats.org/drawingml/2006/main" xmlns:r="http://schemas.openxmlformats.org/officeDocument/2006/relationships" xmlns:p="http://schemas.openxmlformats.org/presentationml/2006/main" xmlns:m="http://schemas.openxmlformats.org/officeDocument/2006/math" xmlns:a14="http://schemas.microsoft.com/office/drawing/2010/main"/>
-</file>
-
 <file path=ppt/notesMasters/notesMaster1.xml><?xml version="1.0" encoding="utf-8"?>
-<p:notesMaster xmlns:a="http://schemas.openxmlformats.org/drawingml/2006/main" xmlns:r="http://schemas.openxmlformats.org/officeDocument/2006/relationships" xmlns:p="http://schemas.openxmlformats.org/presentationml/2006/main" xmlns:m="http://schemas.openxmlformats.org/officeDocument/2006/math" xmlns:a14="http://schemas.microsoft.com/office/drawing/2010/main">
+<p:notesMaster xmlns:a="http://schemas.openxmlformats.org/drawingml/2006/main" xmlns:r="http://schemas.openxmlformats.org/officeDocument/2006/relationships" xmlns:p="http://schemas.openxmlformats.org/presentationml/2006/main">
   <p:cSld>
+    <p:bg>
+      <p:bgRef idx="1001">
+        <a:schemeClr val="bg1"/>
+      </p:bgRef>
+    </p:bg>
     <p:spTree>
       <p:nvGrpSpPr>
         <p:cNvPr id="1" name=""/>
@@ -340,7 +346,9 @@
       <p:sp>
         <p:nvSpPr>
           <p:cNvPr id="125" name="Shape 125"/>
-          <p:cNvSpPr/>
+          <p:cNvSpPr>
+            <a:spLocks noGrp="1" noRot="1" noChangeAspect="1"/>
+          </p:cNvSpPr>
           <p:nvPr>
             <p:ph type="sldImg"/>
           </p:nvPr>
@@ -358,14 +366,16 @@
           <a:bodyPr/>
           <a:lstStyle/>
           <a:p>
-            <a:pPr/>
+            <a:endParaRPr/>
           </a:p>
         </p:txBody>
       </p:sp>
       <p:sp>
         <p:nvSpPr>
           <p:cNvPr id="126" name="Shape 126"/>
-          <p:cNvSpPr/>
+          <p:cNvSpPr>
+            <a:spLocks noGrp="1"/>
+          </p:cNvSpPr>
           <p:nvPr>
             <p:ph type="body" sz="quarter" idx="1"/>
           </p:nvPr>
@@ -383,7 +393,7 @@
           <a:bodyPr/>
           <a:lstStyle/>
           <a:p>
-            <a:pPr/>
+            <a:endParaRPr/>
           </a:p>
         </p:txBody>
       </p:sp>
@@ -495,7 +505,7 @@
 </file>
 
 <file path=ppt/slideLayouts/slideLayout1.xml><?xml version="1.0" encoding="utf-8"?>
-<p:sldLayout xmlns:a="http://schemas.openxmlformats.org/drawingml/2006/main" xmlns:r="http://schemas.openxmlformats.org/officeDocument/2006/relationships" xmlns:p="http://schemas.openxmlformats.org/presentationml/2006/main" xmlns:m="http://schemas.openxmlformats.org/officeDocument/2006/math" xmlns:a14="http://schemas.microsoft.com/office/drawing/2010/main" type="title" showMasterSp="1" showMasterPhAnim="1">
+<p:sldLayout xmlns:a="http://schemas.openxmlformats.org/drawingml/2006/main" xmlns:r="http://schemas.openxmlformats.org/officeDocument/2006/relationships" xmlns:p="http://schemas.openxmlformats.org/presentationml/2006/main" type="title">
   <p:cSld name="Title &amp; Subtitle">
     <p:spTree>
       <p:nvGrpSpPr>
@@ -542,7 +552,7 @@
               <a:spcBef>
                 <a:spcPts val="0"/>
               </a:spcBef>
-              <a:defRPr i="0" spc="0" sz="1200">
+              <a:defRPr sz="1200" i="0" spc="0">
                 <a:solidFill>
                   <a:srgbClr val="000000"/>
                 </a:solidFill>
@@ -552,13 +562,16 @@
                 <a:sym typeface="Helvetica"/>
               </a:defRPr>
             </a:pPr>
+            <a:endParaRPr/>
           </a:p>
         </p:txBody>
       </p:sp>
       <p:sp>
         <p:nvSpPr>
           <p:cNvPr id="12" name="Title Text"/>
-          <p:cNvSpPr txBox="1"/>
+          <p:cNvSpPr txBox="1">
+            <a:spLocks noGrp="1"/>
+          </p:cNvSpPr>
           <p:nvPr>
             <p:ph type="title"/>
           </p:nvPr>
@@ -590,7 +603,6 @@
             </a:lvl1pPr>
           </a:lstStyle>
           <a:p>
-            <a:pPr/>
             <a:r>
               <a:t>Title Text</a:t>
             </a:r>
@@ -600,7 +612,9 @@
       <p:sp>
         <p:nvSpPr>
           <p:cNvPr id="13" name="Body Level One…"/>
-          <p:cNvSpPr txBox="1"/>
+          <p:cNvSpPr txBox="1">
+            <a:spLocks noGrp="1"/>
+          </p:cNvSpPr>
           <p:nvPr>
             <p:ph type="body" sz="half" idx="1"/>
           </p:nvPr>
@@ -627,7 +641,7 @@
               <a:buSzTx/>
               <a:buFontTx/>
               <a:buNone/>
-              <a:defRPr i="1" sz="7000">
+              <a:defRPr sz="7000" i="1">
                 <a:solidFill>
                   <a:srgbClr val="747676"/>
                 </a:solidFill>
@@ -643,7 +657,7 @@
               <a:buSzTx/>
               <a:buFontTx/>
               <a:buNone/>
-              <a:defRPr i="1" sz="7000">
+              <a:defRPr sz="7000" i="1">
                 <a:solidFill>
                   <a:srgbClr val="747676"/>
                 </a:solidFill>
@@ -659,7 +673,7 @@
               <a:buSzTx/>
               <a:buFontTx/>
               <a:buNone/>
-              <a:defRPr i="1" sz="7000">
+              <a:defRPr sz="7000" i="1">
                 <a:solidFill>
                   <a:srgbClr val="747676"/>
                 </a:solidFill>
@@ -675,7 +689,7 @@
               <a:buSzTx/>
               <a:buFontTx/>
               <a:buNone/>
-              <a:defRPr i="1" sz="7000">
+              <a:defRPr sz="7000" i="1">
                 <a:solidFill>
                   <a:srgbClr val="747676"/>
                 </a:solidFill>
@@ -691,7 +705,7 @@
               <a:buSzTx/>
               <a:buFontTx/>
               <a:buNone/>
-              <a:defRPr i="1" sz="7000">
+              <a:defRPr sz="7000" i="1">
                 <a:solidFill>
                   <a:srgbClr val="747676"/>
                 </a:solidFill>
@@ -699,7 +713,6 @@
             </a:lvl5pPr>
           </a:lstStyle>
           <a:p>
-            <a:pPr/>
             <a:r>
               <a:t>Body Level One</a:t>
             </a:r>
@@ -733,7 +746,9 @@
       <p:sp>
         <p:nvSpPr>
           <p:cNvPr id="14" name="Slide Number"/>
-          <p:cNvSpPr txBox="1"/>
+          <p:cNvSpPr txBox="1">
+            <a:spLocks noGrp="1"/>
+          </p:cNvSpPr>
           <p:nvPr>
             <p:ph type="sldNum" sz="quarter" idx="2"/>
           </p:nvPr>
@@ -751,8 +766,10 @@
           <a:bodyPr/>
           <a:lstStyle/>
           <a:p>
-            <a:pPr/>
-            <a:fld id="{86CB4B4D-7CA3-9044-876B-883B54F8677D}" type="slidenum"/>
+            <a:fld id="{86CB4B4D-7CA3-9044-876B-883B54F8677D}" type="slidenum">
+              <a:t>‹#›</a:t>
+            </a:fld>
+            <a:endParaRPr/>
           </a:p>
         </p:txBody>
       </p:sp>
@@ -761,12 +778,12 @@
   <p:clrMapOvr>
     <a:masterClrMapping/>
   </p:clrMapOvr>
-  <p:transition xmlns:p14="http://schemas.microsoft.com/office/powerpoint/2010/main" spd="med" advClick="1"/>
+  <p:transition spd="med"/>
 </p:sldLayout>
 </file>
 
 <file path=ppt/slideLayouts/slideLayout10.xml><?xml version="1.0" encoding="utf-8"?>
-<p:sldLayout xmlns:a="http://schemas.openxmlformats.org/drawingml/2006/main" xmlns:r="http://schemas.openxmlformats.org/officeDocument/2006/relationships" xmlns:p="http://schemas.openxmlformats.org/presentationml/2006/main" xmlns:m="http://schemas.openxmlformats.org/officeDocument/2006/math" xmlns:a14="http://schemas.microsoft.com/office/drawing/2010/main" type="tx" showMasterSp="1" showMasterPhAnim="1">
+<p:sldLayout xmlns:a="http://schemas.openxmlformats.org/drawingml/2006/main" xmlns:r="http://schemas.openxmlformats.org/officeDocument/2006/relationships" xmlns:p="http://schemas.openxmlformats.org/presentationml/2006/main" type="tx">
   <p:cSld name="Quote">
     <p:spTree>
       <p:nvGrpSpPr>
@@ -801,7 +818,7 @@
           </a:ln>
           <a:extLst>
             <a:ext uri="{C572A759-6A51-4108-AA02-DFA0A04FC94B}">
-              <ma14:wrappingTextBoxFlag xmlns:ma14="http://schemas.microsoft.com/office/mac/drawingml/2011/main" val="1"/>
+              <ma14:wrappingTextBoxFlag xmlns="" xmlns:m="http://schemas.openxmlformats.org/officeDocument/2006/math" xmlns:a14="http://schemas.microsoft.com/office/drawing/2010/main" xmlns:ma14="http://schemas.microsoft.com/office/mac/drawingml/2011/main" val="1"/>
             </a:ext>
           </a:extLst>
         </p:spPr>
@@ -831,7 +848,7 @@
                 <a:tab pos="3911600" algn="l"/>
                 <a:tab pos="4267200" algn="l"/>
               </a:tabLst>
-              <a:defRPr b="1" i="0" spc="0" sz="40000">
+              <a:defRPr sz="40000" b="1" i="0" spc="0">
                 <a:solidFill>
                   <a:srgbClr val="E4E4E4"/>
                 </a:solidFill>
@@ -843,7 +860,6 @@
             </a:lvl1pPr>
           </a:lstStyle>
           <a:p>
-            <a:pPr/>
             <a:r>
               <a:t>“</a:t>
             </a:r>
@@ -853,7 +869,9 @@
       <p:sp>
         <p:nvSpPr>
           <p:cNvPr id="102" name="Type a quote here."/>
-          <p:cNvSpPr txBox="1"/>
+          <p:cNvSpPr txBox="1">
+            <a:spLocks noGrp="1"/>
+          </p:cNvSpPr>
           <p:nvPr>
             <p:ph type="body" sz="quarter" idx="21"/>
           </p:nvPr>
@@ -887,7 +905,6 @@
             </a:lvl1pPr>
           </a:lstStyle>
           <a:p>
-            <a:pPr/>
             <a:r>
               <a:t>Type a quote here.</a:t>
             </a:r>
@@ -897,7 +914,9 @@
       <p:sp>
         <p:nvSpPr>
           <p:cNvPr id="103" name="-Johnny Appleseed"/>
-          <p:cNvSpPr txBox="1"/>
+          <p:cNvSpPr txBox="1">
+            <a:spLocks noGrp="1"/>
+          </p:cNvSpPr>
           <p:nvPr>
             <p:ph type="body" sz="quarter" idx="22"/>
           </p:nvPr>
@@ -926,7 +945,7 @@
               <a:buSzTx/>
               <a:buFontTx/>
               <a:buNone/>
-              <a:defRPr i="1" sz="7000">
+              <a:defRPr sz="7000" i="1">
                 <a:solidFill>
                   <a:srgbClr val="6B6D6D"/>
                 </a:solidFill>
@@ -934,7 +953,6 @@
             </a:lvl1pPr>
           </a:lstStyle>
           <a:p>
-            <a:pPr/>
             <a:r>
               <a:t>-Johnny Appleseed</a:t>
             </a:r>
@@ -944,7 +962,9 @@
       <p:sp>
         <p:nvSpPr>
           <p:cNvPr id="104" name="Slide Number"/>
-          <p:cNvSpPr txBox="1"/>
+          <p:cNvSpPr txBox="1">
+            <a:spLocks noGrp="1"/>
+          </p:cNvSpPr>
           <p:nvPr>
             <p:ph type="sldNum" sz="quarter" idx="2"/>
           </p:nvPr>
@@ -958,8 +978,10 @@
           <a:bodyPr/>
           <a:lstStyle/>
           <a:p>
-            <a:pPr/>
-            <a:fld id="{86CB4B4D-7CA3-9044-876B-883B54F8677D}" type="slidenum"/>
+            <a:fld id="{86CB4B4D-7CA3-9044-876B-883B54F8677D}" type="slidenum">
+              <a:t>‹#›</a:t>
+            </a:fld>
+            <a:endParaRPr/>
           </a:p>
         </p:txBody>
       </p:sp>
@@ -968,12 +990,12 @@
   <p:clrMapOvr>
     <a:masterClrMapping/>
   </p:clrMapOvr>
-  <p:transition xmlns:p14="http://schemas.microsoft.com/office/powerpoint/2010/main" spd="med" advClick="1"/>
+  <p:transition spd="med"/>
 </p:sldLayout>
 </file>
 
 <file path=ppt/slideLayouts/slideLayout11.xml><?xml version="1.0" encoding="utf-8"?>
-<p:sldLayout xmlns:a="http://schemas.openxmlformats.org/drawingml/2006/main" xmlns:r="http://schemas.openxmlformats.org/officeDocument/2006/relationships" xmlns:p="http://schemas.openxmlformats.org/presentationml/2006/main" xmlns:m="http://schemas.openxmlformats.org/officeDocument/2006/math" xmlns:a14="http://schemas.microsoft.com/office/drawing/2010/main" type="tx" showMasterSp="1" showMasterPhAnim="1">
+<p:sldLayout xmlns:a="http://schemas.openxmlformats.org/drawingml/2006/main" xmlns:r="http://schemas.openxmlformats.org/officeDocument/2006/relationships" xmlns:p="http://schemas.openxmlformats.org/presentationml/2006/main" type="tx">
   <p:cSld name="Photo">
     <p:spTree>
       <p:nvGrpSpPr>
@@ -992,7 +1014,9 @@
       <p:sp>
         <p:nvSpPr>
           <p:cNvPr id="111" name="Abstract background with layers of red and white rectangles"/>
-          <p:cNvSpPr/>
+          <p:cNvSpPr>
+            <a:spLocks noGrp="1"/>
+          </p:cNvSpPr>
           <p:nvPr>
             <p:ph type="pic" idx="21"/>
           </p:nvPr>
@@ -1012,14 +1036,16 @@
           </a:bodyPr>
           <a:lstStyle/>
           <a:p>
-            <a:pPr/>
+            <a:endParaRPr/>
           </a:p>
         </p:txBody>
       </p:sp>
       <p:sp>
         <p:nvSpPr>
           <p:cNvPr id="112" name="Slide Number"/>
-          <p:cNvSpPr txBox="1"/>
+          <p:cNvSpPr txBox="1">
+            <a:spLocks noGrp="1"/>
+          </p:cNvSpPr>
           <p:nvPr>
             <p:ph type="sldNum" sz="quarter" idx="2"/>
           </p:nvPr>
@@ -1041,8 +1067,10 @@
             </a:lvl1pPr>
           </a:lstStyle>
           <a:p>
-            <a:pPr/>
-            <a:fld id="{86CB4B4D-7CA3-9044-876B-883B54F8677D}" type="slidenum"/>
+            <a:fld id="{86CB4B4D-7CA3-9044-876B-883B54F8677D}" type="slidenum">
+              <a:t>‹#›</a:t>
+            </a:fld>
+            <a:endParaRPr/>
           </a:p>
         </p:txBody>
       </p:sp>
@@ -1051,12 +1079,12 @@
   <p:clrMapOvr>
     <a:masterClrMapping/>
   </p:clrMapOvr>
-  <p:transition xmlns:p14="http://schemas.microsoft.com/office/powerpoint/2010/main" spd="med" advClick="1"/>
+  <p:transition spd="med"/>
 </p:sldLayout>
 </file>
 
 <file path=ppt/slideLayouts/slideLayout12.xml><?xml version="1.0" encoding="utf-8"?>
-<p:sldLayout xmlns:a="http://schemas.openxmlformats.org/drawingml/2006/main" xmlns:r="http://schemas.openxmlformats.org/officeDocument/2006/relationships" xmlns:p="http://schemas.openxmlformats.org/presentationml/2006/main" xmlns:m="http://schemas.openxmlformats.org/officeDocument/2006/math" xmlns:a14="http://schemas.microsoft.com/office/drawing/2010/main" type="tx" showMasterSp="1" showMasterPhAnim="1">
+<p:sldLayout xmlns:a="http://schemas.openxmlformats.org/drawingml/2006/main" xmlns:r="http://schemas.openxmlformats.org/officeDocument/2006/relationships" xmlns:p="http://schemas.openxmlformats.org/presentationml/2006/main" type="tx">
   <p:cSld name="Blank">
     <p:spTree>
       <p:nvGrpSpPr>
@@ -1075,7 +1103,9 @@
       <p:sp>
         <p:nvSpPr>
           <p:cNvPr id="119" name="Slide Number"/>
-          <p:cNvSpPr txBox="1"/>
+          <p:cNvSpPr txBox="1">
+            <a:spLocks noGrp="1"/>
+          </p:cNvSpPr>
           <p:nvPr>
             <p:ph type="sldNum" sz="quarter" idx="2"/>
           </p:nvPr>
@@ -1089,8 +1119,10 @@
           <a:bodyPr/>
           <a:lstStyle/>
           <a:p>
-            <a:pPr/>
-            <a:fld id="{86CB4B4D-7CA3-9044-876B-883B54F8677D}" type="slidenum"/>
+            <a:fld id="{86CB4B4D-7CA3-9044-876B-883B54F8677D}" type="slidenum">
+              <a:t>‹#›</a:t>
+            </a:fld>
+            <a:endParaRPr/>
           </a:p>
         </p:txBody>
       </p:sp>
@@ -1099,12 +1131,12 @@
   <p:clrMapOvr>
     <a:masterClrMapping/>
   </p:clrMapOvr>
-  <p:transition xmlns:p14="http://schemas.microsoft.com/office/powerpoint/2010/main" spd="med" advClick="1"/>
+  <p:transition spd="med"/>
 </p:sldLayout>
 </file>
 
 <file path=ppt/slideLayouts/slideLayout2.xml><?xml version="1.0" encoding="utf-8"?>
-<p:sldLayout xmlns:a="http://schemas.openxmlformats.org/drawingml/2006/main" xmlns:r="http://schemas.openxmlformats.org/officeDocument/2006/relationships" xmlns:p="http://schemas.openxmlformats.org/presentationml/2006/main" xmlns:m="http://schemas.openxmlformats.org/officeDocument/2006/math" xmlns:a14="http://schemas.microsoft.com/office/drawing/2010/main" type="tx" showMasterSp="1" showMasterPhAnim="1">
+<p:sldLayout xmlns:a="http://schemas.openxmlformats.org/drawingml/2006/main" xmlns:r="http://schemas.openxmlformats.org/officeDocument/2006/relationships" xmlns:p="http://schemas.openxmlformats.org/presentationml/2006/main" type="tx">
   <p:cSld name="Photo - Horizontal">
     <p:spTree>
       <p:nvGrpSpPr>
@@ -1123,7 +1155,9 @@
       <p:sp>
         <p:nvSpPr>
           <p:cNvPr id="21" name="Abstract background with layers of red and white rectangles"/>
-          <p:cNvSpPr/>
+          <p:cNvSpPr>
+            <a:spLocks noGrp="1"/>
+          </p:cNvSpPr>
           <p:nvPr>
             <p:ph type="pic" idx="21"/>
           </p:nvPr>
@@ -1143,14 +1177,16 @@
           </a:bodyPr>
           <a:lstStyle/>
           <a:p>
-            <a:pPr/>
+            <a:endParaRPr/>
           </a:p>
         </p:txBody>
       </p:sp>
       <p:sp>
         <p:nvSpPr>
           <p:cNvPr id="22" name="Rectangle"/>
-          <p:cNvSpPr/>
+          <p:cNvSpPr>
+            <a:spLocks noGrp="1"/>
+          </p:cNvSpPr>
           <p:nvPr>
             <p:ph type="body" sz="half" idx="22"/>
           </p:nvPr>
@@ -1187,6 +1223,7 @@
                 <a:sym typeface="DIN Alternate Bold"/>
               </a:defRPr>
             </a:pPr>
+            <a:endParaRPr/>
           </a:p>
         </p:txBody>
       </p:sp>
@@ -1221,7 +1258,7 @@
               <a:spcBef>
                 <a:spcPts val="0"/>
               </a:spcBef>
-              <a:defRPr i="0" spc="0" sz="1200">
+              <a:defRPr sz="1200" i="0" spc="0">
                 <a:solidFill>
                   <a:srgbClr val="000000"/>
                 </a:solidFill>
@@ -1231,13 +1268,16 @@
                 <a:sym typeface="Helvetica"/>
               </a:defRPr>
             </a:pPr>
+            <a:endParaRPr/>
           </a:p>
         </p:txBody>
       </p:sp>
       <p:sp>
         <p:nvSpPr>
           <p:cNvPr id="24" name="Title Text"/>
-          <p:cNvSpPr txBox="1"/>
+          <p:cNvSpPr txBox="1">
+            <a:spLocks noGrp="1"/>
+          </p:cNvSpPr>
           <p:nvPr>
             <p:ph type="title"/>
           </p:nvPr>
@@ -1269,7 +1309,6 @@
             </a:lvl1pPr>
           </a:lstStyle>
           <a:p>
-            <a:pPr/>
             <a:r>
               <a:t>Title Text</a:t>
             </a:r>
@@ -1279,7 +1318,9 @@
       <p:sp>
         <p:nvSpPr>
           <p:cNvPr id="25" name="Body Level One…"/>
-          <p:cNvSpPr txBox="1"/>
+          <p:cNvSpPr txBox="1">
+            <a:spLocks noGrp="1"/>
+          </p:cNvSpPr>
           <p:nvPr>
             <p:ph type="body" sz="quarter" idx="1"/>
           </p:nvPr>
@@ -1306,7 +1347,7 @@
               <a:buSzTx/>
               <a:buFontTx/>
               <a:buNone/>
-              <a:defRPr i="1" sz="7000">
+              <a:defRPr sz="7000" i="1">
                 <a:solidFill>
                   <a:srgbClr val="747676"/>
                 </a:solidFill>
@@ -1322,7 +1363,7 @@
               <a:buSzTx/>
               <a:buFontTx/>
               <a:buNone/>
-              <a:defRPr i="1" sz="7000">
+              <a:defRPr sz="7000" i="1">
                 <a:solidFill>
                   <a:srgbClr val="747676"/>
                 </a:solidFill>
@@ -1338,7 +1379,7 @@
               <a:buSzTx/>
               <a:buFontTx/>
               <a:buNone/>
-              <a:defRPr i="1" sz="7000">
+              <a:defRPr sz="7000" i="1">
                 <a:solidFill>
                   <a:srgbClr val="747676"/>
                 </a:solidFill>
@@ -1354,7 +1395,7 @@
               <a:buSzTx/>
               <a:buFontTx/>
               <a:buNone/>
-              <a:defRPr i="1" sz="7000">
+              <a:defRPr sz="7000" i="1">
                 <a:solidFill>
                   <a:srgbClr val="747676"/>
                 </a:solidFill>
@@ -1370,7 +1411,7 @@
               <a:buSzTx/>
               <a:buFontTx/>
               <a:buNone/>
-              <a:defRPr i="1" sz="7000">
+              <a:defRPr sz="7000" i="1">
                 <a:solidFill>
                   <a:srgbClr val="747676"/>
                 </a:solidFill>
@@ -1378,7 +1419,6 @@
             </a:lvl5pPr>
           </a:lstStyle>
           <a:p>
-            <a:pPr/>
             <a:r>
               <a:t>Body Level One</a:t>
             </a:r>
@@ -1412,7 +1452,9 @@
       <p:sp>
         <p:nvSpPr>
           <p:cNvPr id="26" name="Slide Number"/>
-          <p:cNvSpPr txBox="1"/>
+          <p:cNvSpPr txBox="1">
+            <a:spLocks noGrp="1"/>
+          </p:cNvSpPr>
           <p:nvPr>
             <p:ph type="sldNum" sz="quarter" idx="2"/>
           </p:nvPr>
@@ -1434,8 +1476,10 @@
             </a:lvl1pPr>
           </a:lstStyle>
           <a:p>
-            <a:pPr/>
-            <a:fld id="{86CB4B4D-7CA3-9044-876B-883B54F8677D}" type="slidenum"/>
+            <a:fld id="{86CB4B4D-7CA3-9044-876B-883B54F8677D}" type="slidenum">
+              <a:t>‹#›</a:t>
+            </a:fld>
+            <a:endParaRPr/>
           </a:p>
         </p:txBody>
       </p:sp>
@@ -1444,12 +1488,12 @@
   <p:clrMapOvr>
     <a:masterClrMapping/>
   </p:clrMapOvr>
-  <p:transition xmlns:p14="http://schemas.microsoft.com/office/powerpoint/2010/main" spd="med" advClick="1"/>
+  <p:transition spd="med"/>
 </p:sldLayout>
 </file>
 
 <file path=ppt/slideLayouts/slideLayout3.xml><?xml version="1.0" encoding="utf-8"?>
-<p:sldLayout xmlns:a="http://schemas.openxmlformats.org/drawingml/2006/main" xmlns:r="http://schemas.openxmlformats.org/officeDocument/2006/relationships" xmlns:p="http://schemas.openxmlformats.org/presentationml/2006/main" xmlns:m="http://schemas.openxmlformats.org/officeDocument/2006/math" xmlns:a14="http://schemas.microsoft.com/office/drawing/2010/main" type="tx" showMasterSp="1" showMasterPhAnim="1">
+<p:sldLayout xmlns:a="http://schemas.openxmlformats.org/drawingml/2006/main" xmlns:r="http://schemas.openxmlformats.org/officeDocument/2006/relationships" xmlns:p="http://schemas.openxmlformats.org/presentationml/2006/main" type="tx">
   <p:cSld name="Title - Centre">
     <p:spTree>
       <p:nvGrpSpPr>
@@ -1468,7 +1512,9 @@
       <p:sp>
         <p:nvSpPr>
           <p:cNvPr id="33" name="Title Text"/>
-          <p:cNvSpPr txBox="1"/>
+          <p:cNvSpPr txBox="1">
+            <a:spLocks noGrp="1"/>
+          </p:cNvSpPr>
           <p:nvPr>
             <p:ph type="title"/>
           </p:nvPr>
@@ -1500,7 +1546,6 @@
             </a:lvl1pPr>
           </a:lstStyle>
           <a:p>
-            <a:pPr/>
             <a:r>
               <a:t>Title Text</a:t>
             </a:r>
@@ -1510,7 +1555,9 @@
       <p:sp>
         <p:nvSpPr>
           <p:cNvPr id="34" name="Slide Number"/>
-          <p:cNvSpPr txBox="1"/>
+          <p:cNvSpPr txBox="1">
+            <a:spLocks noGrp="1"/>
+          </p:cNvSpPr>
           <p:nvPr>
             <p:ph type="sldNum" sz="quarter" idx="2"/>
           </p:nvPr>
@@ -1528,8 +1575,10 @@
           <a:bodyPr/>
           <a:lstStyle/>
           <a:p>
-            <a:pPr/>
-            <a:fld id="{86CB4B4D-7CA3-9044-876B-883B54F8677D}" type="slidenum"/>
+            <a:fld id="{86CB4B4D-7CA3-9044-876B-883B54F8677D}" type="slidenum">
+              <a:t>‹#›</a:t>
+            </a:fld>
+            <a:endParaRPr/>
           </a:p>
         </p:txBody>
       </p:sp>
@@ -1538,12 +1587,12 @@
   <p:clrMapOvr>
     <a:masterClrMapping/>
   </p:clrMapOvr>
-  <p:transition xmlns:p14="http://schemas.microsoft.com/office/powerpoint/2010/main" spd="med" advClick="1"/>
+  <p:transition spd="med"/>
 </p:sldLayout>
 </file>
 
 <file path=ppt/slideLayouts/slideLayout4.xml><?xml version="1.0" encoding="utf-8"?>
-<p:sldLayout xmlns:a="http://schemas.openxmlformats.org/drawingml/2006/main" xmlns:r="http://schemas.openxmlformats.org/officeDocument/2006/relationships" xmlns:p="http://schemas.openxmlformats.org/presentationml/2006/main" xmlns:m="http://schemas.openxmlformats.org/officeDocument/2006/math" xmlns:a14="http://schemas.microsoft.com/office/drawing/2010/main" type="tx" showMasterSp="1" showMasterPhAnim="1">
+<p:sldLayout xmlns:a="http://schemas.openxmlformats.org/drawingml/2006/main" xmlns:r="http://schemas.openxmlformats.org/officeDocument/2006/relationships" xmlns:p="http://schemas.openxmlformats.org/presentationml/2006/main" type="tx">
   <p:cSld name="Photo - Vertical">
     <p:spTree>
       <p:nvGrpSpPr>
@@ -1590,7 +1639,7 @@
               <a:spcBef>
                 <a:spcPts val="0"/>
               </a:spcBef>
-              <a:defRPr i="0" spc="0" sz="1200">
+              <a:defRPr sz="1200" i="0" spc="0">
                 <a:solidFill>
                   <a:srgbClr val="000000"/>
                 </a:solidFill>
@@ -1600,13 +1649,16 @@
                 <a:sym typeface="Helvetica"/>
               </a:defRPr>
             </a:pPr>
+            <a:endParaRPr/>
           </a:p>
         </p:txBody>
       </p:sp>
       <p:sp>
         <p:nvSpPr>
           <p:cNvPr id="42" name="Abstract background with overlapping blue, green and white circles of different sizes"/>
-          <p:cNvSpPr/>
+          <p:cNvSpPr>
+            <a:spLocks noGrp="1"/>
+          </p:cNvSpPr>
           <p:nvPr>
             <p:ph type="pic" idx="21"/>
           </p:nvPr>
@@ -1626,14 +1678,16 @@
           </a:bodyPr>
           <a:lstStyle/>
           <a:p>
-            <a:pPr/>
+            <a:endParaRPr/>
           </a:p>
         </p:txBody>
       </p:sp>
       <p:sp>
         <p:nvSpPr>
           <p:cNvPr id="43" name="Title Text"/>
-          <p:cNvSpPr txBox="1"/>
+          <p:cNvSpPr txBox="1">
+            <a:spLocks noGrp="1"/>
+          </p:cNvSpPr>
           <p:nvPr>
             <p:ph type="title"/>
           </p:nvPr>
@@ -1665,7 +1719,6 @@
             </a:lvl1pPr>
           </a:lstStyle>
           <a:p>
-            <a:pPr/>
             <a:r>
               <a:t>Title Text</a:t>
             </a:r>
@@ -1675,7 +1728,9 @@
       <p:sp>
         <p:nvSpPr>
           <p:cNvPr id="44" name="Body Level One…"/>
-          <p:cNvSpPr txBox="1"/>
+          <p:cNvSpPr txBox="1">
+            <a:spLocks noGrp="1"/>
+          </p:cNvSpPr>
           <p:nvPr>
             <p:ph type="body" sz="quarter" idx="1"/>
           </p:nvPr>
@@ -1702,7 +1757,7 @@
               <a:buSzTx/>
               <a:buFontTx/>
               <a:buNone/>
-              <a:defRPr i="1" sz="7000">
+              <a:defRPr sz="7000" i="1">
                 <a:solidFill>
                   <a:srgbClr val="747676"/>
                 </a:solidFill>
@@ -1718,7 +1773,7 @@
               <a:buSzTx/>
               <a:buFontTx/>
               <a:buNone/>
-              <a:defRPr i="1" sz="7000">
+              <a:defRPr sz="7000" i="1">
                 <a:solidFill>
                   <a:srgbClr val="747676"/>
                 </a:solidFill>
@@ -1734,7 +1789,7 @@
               <a:buSzTx/>
               <a:buFontTx/>
               <a:buNone/>
-              <a:defRPr i="1" sz="7000">
+              <a:defRPr sz="7000" i="1">
                 <a:solidFill>
                   <a:srgbClr val="747676"/>
                 </a:solidFill>
@@ -1750,7 +1805,7 @@
               <a:buSzTx/>
               <a:buFontTx/>
               <a:buNone/>
-              <a:defRPr i="1" sz="7000">
+              <a:defRPr sz="7000" i="1">
                 <a:solidFill>
                   <a:srgbClr val="747676"/>
                 </a:solidFill>
@@ -1766,7 +1821,7 @@
               <a:buSzTx/>
               <a:buFontTx/>
               <a:buNone/>
-              <a:defRPr i="1" sz="7000">
+              <a:defRPr sz="7000" i="1">
                 <a:solidFill>
                   <a:srgbClr val="747676"/>
                 </a:solidFill>
@@ -1774,7 +1829,6 @@
             </a:lvl5pPr>
           </a:lstStyle>
           <a:p>
-            <a:pPr/>
             <a:r>
               <a:t>Body Level One</a:t>
             </a:r>
@@ -1808,7 +1862,9 @@
       <p:sp>
         <p:nvSpPr>
           <p:cNvPr id="45" name="Slide Number"/>
-          <p:cNvSpPr txBox="1"/>
+          <p:cNvSpPr txBox="1">
+            <a:spLocks noGrp="1"/>
+          </p:cNvSpPr>
           <p:nvPr>
             <p:ph type="sldNum" sz="quarter" idx="2"/>
           </p:nvPr>
@@ -1830,8 +1886,10 @@
             </a:lvl1pPr>
           </a:lstStyle>
           <a:p>
-            <a:pPr/>
-            <a:fld id="{86CB4B4D-7CA3-9044-876B-883B54F8677D}" type="slidenum"/>
+            <a:fld id="{86CB4B4D-7CA3-9044-876B-883B54F8677D}" type="slidenum">
+              <a:t>‹#›</a:t>
+            </a:fld>
+            <a:endParaRPr/>
           </a:p>
         </p:txBody>
       </p:sp>
@@ -1840,12 +1898,12 @@
   <p:clrMapOvr>
     <a:masterClrMapping/>
   </p:clrMapOvr>
-  <p:transition xmlns:p14="http://schemas.microsoft.com/office/powerpoint/2010/main" spd="med" advClick="1"/>
+  <p:transition spd="med"/>
 </p:sldLayout>
 </file>
 
 <file path=ppt/slideLayouts/slideLayout5.xml><?xml version="1.0" encoding="utf-8"?>
-<p:sldLayout xmlns:a="http://schemas.openxmlformats.org/drawingml/2006/main" xmlns:r="http://schemas.openxmlformats.org/officeDocument/2006/relationships" xmlns:p="http://schemas.openxmlformats.org/presentationml/2006/main" xmlns:m="http://schemas.openxmlformats.org/officeDocument/2006/math" xmlns:a14="http://schemas.microsoft.com/office/drawing/2010/main" type="tx" showMasterSp="1" showMasterPhAnim="1">
+<p:sldLayout xmlns:a="http://schemas.openxmlformats.org/drawingml/2006/main" xmlns:r="http://schemas.openxmlformats.org/officeDocument/2006/relationships" xmlns:p="http://schemas.openxmlformats.org/presentationml/2006/main" type="tx">
   <p:cSld name="Title - Top">
     <p:spTree>
       <p:nvGrpSpPr>
@@ -1892,7 +1950,7 @@
               <a:spcBef>
                 <a:spcPts val="0"/>
               </a:spcBef>
-              <a:defRPr i="0" spc="0" sz="1200">
+              <a:defRPr sz="1200" i="0" spc="0">
                 <a:solidFill>
                   <a:srgbClr val="000000"/>
                 </a:solidFill>
@@ -1902,13 +1960,16 @@
                 <a:sym typeface="Helvetica"/>
               </a:defRPr>
             </a:pPr>
+            <a:endParaRPr/>
           </a:p>
         </p:txBody>
       </p:sp>
       <p:sp>
         <p:nvSpPr>
           <p:cNvPr id="53" name="Title Text"/>
-          <p:cNvSpPr txBox="1"/>
+          <p:cNvSpPr txBox="1">
+            <a:spLocks noGrp="1"/>
+          </p:cNvSpPr>
           <p:nvPr>
             <p:ph type="title"/>
           </p:nvPr>
@@ -1922,7 +1983,6 @@
           <a:bodyPr/>
           <a:lstStyle/>
           <a:p>
-            <a:pPr/>
             <a:r>
               <a:t>Title Text</a:t>
             </a:r>
@@ -1932,7 +1992,9 @@
       <p:sp>
         <p:nvSpPr>
           <p:cNvPr id="54" name="Slide Number"/>
-          <p:cNvSpPr txBox="1"/>
+          <p:cNvSpPr txBox="1">
+            <a:spLocks noGrp="1"/>
+          </p:cNvSpPr>
           <p:nvPr>
             <p:ph type="sldNum" sz="quarter" idx="2"/>
           </p:nvPr>
@@ -1946,8 +2008,10 @@
           <a:bodyPr/>
           <a:lstStyle/>
           <a:p>
-            <a:pPr/>
-            <a:fld id="{86CB4B4D-7CA3-9044-876B-883B54F8677D}" type="slidenum"/>
+            <a:fld id="{86CB4B4D-7CA3-9044-876B-883B54F8677D}" type="slidenum">
+              <a:t>‹#›</a:t>
+            </a:fld>
+            <a:endParaRPr/>
           </a:p>
         </p:txBody>
       </p:sp>
@@ -1956,12 +2020,12 @@
   <p:clrMapOvr>
     <a:masterClrMapping/>
   </p:clrMapOvr>
-  <p:transition xmlns:p14="http://schemas.microsoft.com/office/powerpoint/2010/main" spd="med" advClick="1"/>
+  <p:transition spd="med"/>
 </p:sldLayout>
 </file>
 
 <file path=ppt/slideLayouts/slideLayout6.xml><?xml version="1.0" encoding="utf-8"?>
-<p:sldLayout xmlns:a="http://schemas.openxmlformats.org/drawingml/2006/main" xmlns:r="http://schemas.openxmlformats.org/officeDocument/2006/relationships" xmlns:p="http://schemas.openxmlformats.org/presentationml/2006/main" xmlns:m="http://schemas.openxmlformats.org/officeDocument/2006/math" xmlns:a14="http://schemas.microsoft.com/office/drawing/2010/main" type="tx" showMasterSp="1" showMasterPhAnim="1">
+<p:sldLayout xmlns:a="http://schemas.openxmlformats.org/drawingml/2006/main" xmlns:r="http://schemas.openxmlformats.org/officeDocument/2006/relationships" xmlns:p="http://schemas.openxmlformats.org/presentationml/2006/main" type="tx">
   <p:cSld name="Title &amp; Bullets">
     <p:spTree>
       <p:nvGrpSpPr>
@@ -2008,7 +2072,7 @@
               <a:spcBef>
                 <a:spcPts val="0"/>
               </a:spcBef>
-              <a:defRPr i="0" spc="0" sz="1200">
+              <a:defRPr sz="1200" i="0" spc="0">
                 <a:solidFill>
                   <a:srgbClr val="000000"/>
                 </a:solidFill>
@@ -2018,13 +2082,16 @@
                 <a:sym typeface="Helvetica"/>
               </a:defRPr>
             </a:pPr>
+            <a:endParaRPr/>
           </a:p>
         </p:txBody>
       </p:sp>
       <p:sp>
         <p:nvSpPr>
           <p:cNvPr id="62" name="Title Text"/>
-          <p:cNvSpPr txBox="1"/>
+          <p:cNvSpPr txBox="1">
+            <a:spLocks noGrp="1"/>
+          </p:cNvSpPr>
           <p:nvPr>
             <p:ph type="title"/>
           </p:nvPr>
@@ -2038,7 +2105,6 @@
           <a:bodyPr/>
           <a:lstStyle/>
           <a:p>
-            <a:pPr/>
             <a:r>
               <a:t>Title Text</a:t>
             </a:r>
@@ -2048,7 +2114,9 @@
       <p:sp>
         <p:nvSpPr>
           <p:cNvPr id="63" name="Body Level One…"/>
-          <p:cNvSpPr txBox="1"/>
+          <p:cNvSpPr txBox="1">
+            <a:spLocks noGrp="1"/>
+          </p:cNvSpPr>
           <p:nvPr>
             <p:ph type="body" idx="1"/>
           </p:nvPr>
@@ -2062,7 +2130,6 @@
           <a:bodyPr/>
           <a:lstStyle/>
           <a:p>
-            <a:pPr/>
             <a:r>
               <a:t>Body Level One</a:t>
             </a:r>
@@ -2096,7 +2163,9 @@
       <p:sp>
         <p:nvSpPr>
           <p:cNvPr id="64" name="Slide Number"/>
-          <p:cNvSpPr txBox="1"/>
+          <p:cNvSpPr txBox="1">
+            <a:spLocks noGrp="1"/>
+          </p:cNvSpPr>
           <p:nvPr>
             <p:ph type="sldNum" sz="quarter" idx="2"/>
           </p:nvPr>
@@ -2110,8 +2179,10 @@
           <a:bodyPr/>
           <a:lstStyle/>
           <a:p>
-            <a:pPr/>
-            <a:fld id="{86CB4B4D-7CA3-9044-876B-883B54F8677D}" type="slidenum"/>
+            <a:fld id="{86CB4B4D-7CA3-9044-876B-883B54F8677D}" type="slidenum">
+              <a:t>‹#›</a:t>
+            </a:fld>
+            <a:endParaRPr/>
           </a:p>
         </p:txBody>
       </p:sp>
@@ -2120,12 +2191,12 @@
   <p:clrMapOvr>
     <a:masterClrMapping/>
   </p:clrMapOvr>
-  <p:transition xmlns:p14="http://schemas.microsoft.com/office/powerpoint/2010/main" spd="med" advClick="1"/>
+  <p:transition spd="med"/>
 </p:sldLayout>
 </file>
 
 <file path=ppt/slideLayouts/slideLayout7.xml><?xml version="1.0" encoding="utf-8"?>
-<p:sldLayout xmlns:a="http://schemas.openxmlformats.org/drawingml/2006/main" xmlns:r="http://schemas.openxmlformats.org/officeDocument/2006/relationships" xmlns:p="http://schemas.openxmlformats.org/presentationml/2006/main" xmlns:m="http://schemas.openxmlformats.org/officeDocument/2006/math" xmlns:a14="http://schemas.microsoft.com/office/drawing/2010/main" type="tx" showMasterSp="1" showMasterPhAnim="1">
+<p:sldLayout xmlns:a="http://schemas.openxmlformats.org/drawingml/2006/main" xmlns:r="http://schemas.openxmlformats.org/officeDocument/2006/relationships" xmlns:p="http://schemas.openxmlformats.org/presentationml/2006/main" type="tx">
   <p:cSld name="Title, Bullets &amp; Photo">
     <p:spTree>
       <p:nvGrpSpPr>
@@ -2172,7 +2243,7 @@
               <a:spcBef>
                 <a:spcPts val="0"/>
               </a:spcBef>
-              <a:defRPr i="0" spc="0" sz="1200">
+              <a:defRPr sz="1200" i="0" spc="0">
                 <a:solidFill>
                   <a:srgbClr val="000000"/>
                 </a:solidFill>
@@ -2182,13 +2253,16 @@
                 <a:sym typeface="Helvetica"/>
               </a:defRPr>
             </a:pPr>
+            <a:endParaRPr/>
           </a:p>
         </p:txBody>
       </p:sp>
       <p:sp>
         <p:nvSpPr>
           <p:cNvPr id="72" name="Abstract background with layers of red and white rectangles"/>
-          <p:cNvSpPr/>
+          <p:cNvSpPr>
+            <a:spLocks noGrp="1"/>
+          </p:cNvSpPr>
           <p:nvPr>
             <p:ph type="pic" idx="21"/>
           </p:nvPr>
@@ -2208,14 +2282,16 @@
           </a:bodyPr>
           <a:lstStyle/>
           <a:p>
-            <a:pPr/>
+            <a:endParaRPr/>
           </a:p>
         </p:txBody>
       </p:sp>
       <p:sp>
         <p:nvSpPr>
           <p:cNvPr id="73" name="Title Text"/>
-          <p:cNvSpPr txBox="1"/>
+          <p:cNvSpPr txBox="1">
+            <a:spLocks noGrp="1"/>
+          </p:cNvSpPr>
           <p:nvPr>
             <p:ph type="title"/>
           </p:nvPr>
@@ -2233,7 +2309,6 @@
           <a:bodyPr/>
           <a:lstStyle/>
           <a:p>
-            <a:pPr/>
             <a:r>
               <a:t>Title Text</a:t>
             </a:r>
@@ -2243,7 +2318,9 @@
       <p:sp>
         <p:nvSpPr>
           <p:cNvPr id="74" name="Body Level One…"/>
-          <p:cNvSpPr txBox="1"/>
+          <p:cNvSpPr txBox="1">
+            <a:spLocks noGrp="1"/>
+          </p:cNvSpPr>
           <p:nvPr>
             <p:ph type="body" sz="half" idx="1"/>
           </p:nvPr>
@@ -2277,7 +2354,6 @@
             </a:lvl5pPr>
           </a:lstStyle>
           <a:p>
-            <a:pPr/>
             <a:r>
               <a:t>Body Level One</a:t>
             </a:r>
@@ -2311,7 +2387,9 @@
       <p:sp>
         <p:nvSpPr>
           <p:cNvPr id="75" name="Slide Number"/>
-          <p:cNvSpPr txBox="1"/>
+          <p:cNvSpPr txBox="1">
+            <a:spLocks noGrp="1"/>
+          </p:cNvSpPr>
           <p:nvPr>
             <p:ph type="sldNum" sz="quarter" idx="2"/>
           </p:nvPr>
@@ -2325,8 +2403,10 @@
           <a:bodyPr/>
           <a:lstStyle/>
           <a:p>
-            <a:pPr/>
-            <a:fld id="{86CB4B4D-7CA3-9044-876B-883B54F8677D}" type="slidenum"/>
+            <a:fld id="{86CB4B4D-7CA3-9044-876B-883B54F8677D}" type="slidenum">
+              <a:t>‹#›</a:t>
+            </a:fld>
+            <a:endParaRPr/>
           </a:p>
         </p:txBody>
       </p:sp>
@@ -2335,12 +2415,12 @@
   <p:clrMapOvr>
     <a:masterClrMapping/>
   </p:clrMapOvr>
-  <p:transition xmlns:p14="http://schemas.microsoft.com/office/powerpoint/2010/main" spd="med" advClick="1"/>
+  <p:transition spd="med"/>
 </p:sldLayout>
 </file>
 
 <file path=ppt/slideLayouts/slideLayout8.xml><?xml version="1.0" encoding="utf-8"?>
-<p:sldLayout xmlns:a="http://schemas.openxmlformats.org/drawingml/2006/main" xmlns:r="http://schemas.openxmlformats.org/officeDocument/2006/relationships" xmlns:p="http://schemas.openxmlformats.org/presentationml/2006/main" xmlns:m="http://schemas.openxmlformats.org/officeDocument/2006/math" xmlns:a14="http://schemas.microsoft.com/office/drawing/2010/main" type="tx" showMasterSp="1" showMasterPhAnim="1">
+<p:sldLayout xmlns:a="http://schemas.openxmlformats.org/drawingml/2006/main" xmlns:r="http://schemas.openxmlformats.org/officeDocument/2006/relationships" xmlns:p="http://schemas.openxmlformats.org/presentationml/2006/main" type="tx">
   <p:cSld name="Bullets">
     <p:spTree>
       <p:nvGrpSpPr>
@@ -2359,7 +2439,9 @@
       <p:sp>
         <p:nvSpPr>
           <p:cNvPr id="82" name="Body Level One…"/>
-          <p:cNvSpPr txBox="1"/>
+          <p:cNvSpPr txBox="1">
+            <a:spLocks noGrp="1"/>
+          </p:cNvSpPr>
           <p:nvPr>
             <p:ph type="body" idx="1"/>
           </p:nvPr>
@@ -2373,7 +2455,6 @@
           <a:bodyPr/>
           <a:lstStyle/>
           <a:p>
-            <a:pPr/>
             <a:r>
               <a:t>Body Level One</a:t>
             </a:r>
@@ -2407,7 +2488,9 @@
       <p:sp>
         <p:nvSpPr>
           <p:cNvPr id="83" name="Slide Number"/>
-          <p:cNvSpPr txBox="1"/>
+          <p:cNvSpPr txBox="1">
+            <a:spLocks noGrp="1"/>
+          </p:cNvSpPr>
           <p:nvPr>
             <p:ph type="sldNum" sz="quarter" idx="2"/>
           </p:nvPr>
@@ -2421,8 +2504,10 @@
           <a:bodyPr/>
           <a:lstStyle/>
           <a:p>
-            <a:pPr/>
-            <a:fld id="{86CB4B4D-7CA3-9044-876B-883B54F8677D}" type="slidenum"/>
+            <a:fld id="{86CB4B4D-7CA3-9044-876B-883B54F8677D}" type="slidenum">
+              <a:t>‹#›</a:t>
+            </a:fld>
+            <a:endParaRPr/>
           </a:p>
         </p:txBody>
       </p:sp>
@@ -2431,12 +2516,12 @@
   <p:clrMapOvr>
     <a:masterClrMapping/>
   </p:clrMapOvr>
-  <p:transition xmlns:p14="http://schemas.microsoft.com/office/powerpoint/2010/main" spd="med" advClick="1"/>
+  <p:transition spd="med"/>
 </p:sldLayout>
 </file>
 
 <file path=ppt/slideLayouts/slideLayout9.xml><?xml version="1.0" encoding="utf-8"?>
-<p:sldLayout xmlns:a="http://schemas.openxmlformats.org/drawingml/2006/main" xmlns:r="http://schemas.openxmlformats.org/officeDocument/2006/relationships" xmlns:p="http://schemas.openxmlformats.org/presentationml/2006/main" xmlns:m="http://schemas.openxmlformats.org/officeDocument/2006/math" xmlns:a14="http://schemas.microsoft.com/office/drawing/2010/main" type="tx" showMasterSp="1" showMasterPhAnim="1">
+<p:sldLayout xmlns:a="http://schemas.openxmlformats.org/drawingml/2006/main" xmlns:r="http://schemas.openxmlformats.org/officeDocument/2006/relationships" xmlns:p="http://schemas.openxmlformats.org/presentationml/2006/main" type="tx">
   <p:cSld name="Photo - 3 Up">
     <p:spTree>
       <p:nvGrpSpPr>
@@ -2455,7 +2540,9 @@
       <p:sp>
         <p:nvSpPr>
           <p:cNvPr id="90" name="Abstract background with layers of red and white rectangles"/>
-          <p:cNvSpPr/>
+          <p:cNvSpPr>
+            <a:spLocks noGrp="1"/>
+          </p:cNvSpPr>
           <p:nvPr>
             <p:ph type="pic" idx="21"/>
           </p:nvPr>
@@ -2475,14 +2562,16 @@
           </a:bodyPr>
           <a:lstStyle/>
           <a:p>
-            <a:pPr/>
+            <a:endParaRPr/>
           </a:p>
         </p:txBody>
       </p:sp>
       <p:sp>
         <p:nvSpPr>
           <p:cNvPr id="91" name="Abstract background with overlapping green and yellow shapes"/>
-          <p:cNvSpPr/>
+          <p:cNvSpPr>
+            <a:spLocks noGrp="1"/>
+          </p:cNvSpPr>
           <p:nvPr>
             <p:ph type="pic" sz="half" idx="22"/>
           </p:nvPr>
@@ -2502,14 +2591,16 @@
           </a:bodyPr>
           <a:lstStyle/>
           <a:p>
-            <a:pPr/>
+            <a:endParaRPr/>
           </a:p>
         </p:txBody>
       </p:sp>
       <p:sp>
         <p:nvSpPr>
           <p:cNvPr id="92" name="Abstract background with overlapping blue, green and white circles of different sizes"/>
-          <p:cNvSpPr/>
+          <p:cNvSpPr>
+            <a:spLocks noGrp="1"/>
+          </p:cNvSpPr>
           <p:nvPr>
             <p:ph type="pic" sz="half" idx="23"/>
           </p:nvPr>
@@ -2529,14 +2620,16 @@
           </a:bodyPr>
           <a:lstStyle/>
           <a:p>
-            <a:pPr/>
+            <a:endParaRPr/>
           </a:p>
         </p:txBody>
       </p:sp>
       <p:sp>
         <p:nvSpPr>
           <p:cNvPr id="93" name="Body Level One…"/>
-          <p:cNvSpPr txBox="1"/>
+          <p:cNvSpPr txBox="1">
+            <a:spLocks noGrp="1"/>
+          </p:cNvSpPr>
           <p:nvPr>
             <p:ph type="body" sz="quarter" idx="1"/>
           </p:nvPr>
@@ -2560,7 +2653,7 @@
               <a:buSzTx/>
               <a:buFontTx/>
               <a:buNone/>
-              <a:defRPr i="1" spc="39" sz="4000"/>
+              <a:defRPr sz="4000" i="1" spc="39"/>
             </a:lvl1pPr>
             <a:lvl2pPr marL="0" indent="0">
               <a:spcBef>
@@ -2569,7 +2662,7 @@
               <a:buSzTx/>
               <a:buFontTx/>
               <a:buNone/>
-              <a:defRPr i="1" spc="39" sz="4000"/>
+              <a:defRPr sz="4000" i="1" spc="39"/>
             </a:lvl2pPr>
             <a:lvl3pPr marL="0" indent="0">
               <a:spcBef>
@@ -2578,7 +2671,7 @@
               <a:buSzTx/>
               <a:buFontTx/>
               <a:buNone/>
-              <a:defRPr i="1" spc="39" sz="4000"/>
+              <a:defRPr sz="4000" i="1" spc="39"/>
             </a:lvl3pPr>
             <a:lvl4pPr marL="0" indent="0">
               <a:spcBef>
@@ -2587,7 +2680,7 @@
               <a:buSzTx/>
               <a:buFontTx/>
               <a:buNone/>
-              <a:defRPr i="1" spc="39" sz="4000"/>
+              <a:defRPr sz="4000" i="1" spc="39"/>
             </a:lvl4pPr>
             <a:lvl5pPr marL="0" indent="0">
               <a:spcBef>
@@ -2596,11 +2689,10 @@
               <a:buSzTx/>
               <a:buFontTx/>
               <a:buNone/>
-              <a:defRPr i="1" spc="39" sz="4000"/>
+              <a:defRPr sz="4000" i="1" spc="39"/>
             </a:lvl5pPr>
           </a:lstStyle>
           <a:p>
-            <a:pPr/>
             <a:r>
               <a:t>Body Level One</a:t>
             </a:r>
@@ -2634,7 +2726,9 @@
       <p:sp>
         <p:nvSpPr>
           <p:cNvPr id="94" name="Slide Number"/>
-          <p:cNvSpPr txBox="1"/>
+          <p:cNvSpPr txBox="1">
+            <a:spLocks noGrp="1"/>
+          </p:cNvSpPr>
           <p:nvPr>
             <p:ph type="sldNum" sz="quarter" idx="2"/>
           </p:nvPr>
@@ -2648,8 +2742,10 @@
           <a:bodyPr/>
           <a:lstStyle/>
           <a:p>
-            <a:pPr/>
-            <a:fld id="{86CB4B4D-7CA3-9044-876B-883B54F8677D}" type="slidenum"/>
+            <a:fld id="{86CB4B4D-7CA3-9044-876B-883B54F8677D}" type="slidenum">
+              <a:t>‹#›</a:t>
+            </a:fld>
+            <a:endParaRPr/>
           </a:p>
         </p:txBody>
       </p:sp>
@@ -2658,18 +2754,19 @@
   <p:clrMapOvr>
     <a:masterClrMapping/>
   </p:clrMapOvr>
-  <p:transition xmlns:p14="http://schemas.microsoft.com/office/powerpoint/2010/main" spd="med" advClick="1"/>
+  <p:transition spd="med"/>
 </p:sldLayout>
 </file>
 
 <file path=ppt/slideMasters/slideMaster1.xml><?xml version="1.0" encoding="utf-8"?>
-<p:sldMaster xmlns:a="http://schemas.openxmlformats.org/drawingml/2006/main" xmlns:r="http://schemas.openxmlformats.org/officeDocument/2006/relationships" xmlns:p="http://schemas.openxmlformats.org/presentationml/2006/main" xmlns:m="http://schemas.openxmlformats.org/officeDocument/2006/math" xmlns:a14="http://schemas.microsoft.com/office/drawing/2010/main">
+<p:sldMaster xmlns:a="http://schemas.openxmlformats.org/drawingml/2006/main" xmlns:r="http://schemas.openxmlformats.org/officeDocument/2006/relationships" xmlns:p="http://schemas.openxmlformats.org/presentationml/2006/main">
   <p:cSld>
     <p:bg>
       <p:bgPr>
         <a:solidFill>
           <a:srgbClr val="FFFFFF"/>
         </a:solidFill>
+        <a:effectLst/>
       </p:bgPr>
     </p:bg>
     <p:spTree>
@@ -2689,7 +2786,9 @@
       <p:sp>
         <p:nvSpPr>
           <p:cNvPr id="2" name="Title Text"/>
-          <p:cNvSpPr txBox="1"/>
+          <p:cNvSpPr txBox="1">
+            <a:spLocks noGrp="1"/>
+          </p:cNvSpPr>
           <p:nvPr>
             <p:ph type="title"/>
           </p:nvPr>
@@ -2707,17 +2806,16 @@
           </a:ln>
           <a:extLst>
             <a:ext uri="{C572A759-6A51-4108-AA02-DFA0A04FC94B}">
-              <ma14:wrappingTextBoxFlag xmlns:ma14="http://schemas.microsoft.com/office/mac/drawingml/2011/main" val="1"/>
+              <ma14:wrappingTextBoxFlag xmlns="" xmlns:m="http://schemas.openxmlformats.org/officeDocument/2006/math" xmlns:a14="http://schemas.microsoft.com/office/drawing/2010/main" xmlns:ma14="http://schemas.microsoft.com/office/mac/drawingml/2011/main" val="1"/>
             </a:ext>
           </a:extLst>
         </p:spPr>
         <p:txBody>
           <a:bodyPr lIns="50800" tIns="50800" rIns="50800" bIns="50800">
-            <a:normAutofit fontScale="100000" lnSpcReduction="0"/>
+            <a:normAutofit/>
           </a:bodyPr>
           <a:lstStyle/>
           <a:p>
-            <a:pPr/>
             <a:r>
               <a:t>Title Text</a:t>
             </a:r>
@@ -2727,7 +2825,9 @@
       <p:sp>
         <p:nvSpPr>
           <p:cNvPr id="3" name="Body Level One…"/>
-          <p:cNvSpPr txBox="1"/>
+          <p:cNvSpPr txBox="1">
+            <a:spLocks noGrp="1"/>
+          </p:cNvSpPr>
           <p:nvPr>
             <p:ph type="body" idx="1"/>
           </p:nvPr>
@@ -2745,17 +2845,16 @@
           </a:ln>
           <a:extLst>
             <a:ext uri="{C572A759-6A51-4108-AA02-DFA0A04FC94B}">
-              <ma14:wrappingTextBoxFlag xmlns:ma14="http://schemas.microsoft.com/office/mac/drawingml/2011/main" val="1"/>
+              <ma14:wrappingTextBoxFlag xmlns="" xmlns:m="http://schemas.openxmlformats.org/officeDocument/2006/math" xmlns:a14="http://schemas.microsoft.com/office/drawing/2010/main" xmlns:ma14="http://schemas.microsoft.com/office/mac/drawingml/2011/main" val="1"/>
             </a:ext>
           </a:extLst>
         </p:spPr>
         <p:txBody>
           <a:bodyPr lIns="50800" tIns="50800" rIns="50800" bIns="50800">
-            <a:normAutofit fontScale="100000" lnSpcReduction="0"/>
+            <a:normAutofit/>
           </a:bodyPr>
           <a:lstStyle/>
           <a:p>
-            <a:pPr/>
             <a:r>
               <a:t>Body Level One</a:t>
             </a:r>
@@ -2789,7 +2888,9 @@
       <p:sp>
         <p:nvSpPr>
           <p:cNvPr id="4" name="Slide Number"/>
-          <p:cNvSpPr txBox="1"/>
+          <p:cNvSpPr txBox="1">
+            <a:spLocks noGrp="1"/>
+          </p:cNvSpPr>
           <p:nvPr>
             <p:ph type="sldNum" sz="quarter" idx="2"/>
           </p:nvPr>
@@ -2815,7 +2916,7 @@
               <a:spcBef>
                 <a:spcPts val="0"/>
               </a:spcBef>
-              <a:defRPr i="0" spc="0" sz="2500">
+              <a:defRPr sz="2500" i="0" spc="0">
                 <a:solidFill>
                   <a:srgbClr val="747676"/>
                 </a:solidFill>
@@ -2827,8 +2928,10 @@
             </a:lvl1pPr>
           </a:lstStyle>
           <a:p>
-            <a:pPr/>
-            <a:fld id="{86CB4B4D-7CA3-9044-876B-883B54F8677D}" type="slidenum"/>
+            <a:fld id="{86CB4B4D-7CA3-9044-876B-883B54F8677D}" type="slidenum">
+              <a:t>‹#›</a:t>
+            </a:fld>
+            <a:endParaRPr/>
           </a:p>
         </p:txBody>
       </p:sp>
@@ -2836,20 +2939,20 @@
   </p:cSld>
   <p:clrMap bg1="lt1" tx1="dk1" bg2="lt2" tx2="dk2" accent1="accent1" accent2="accent2" accent3="accent3" accent4="accent4" accent5="accent5" accent6="accent6" hlink="hlink" folHlink="folHlink"/>
   <p:sldLayoutIdLst>
-    <p:sldLayoutId id="2147483649" r:id="rId2"/>
-    <p:sldLayoutId id="2147483650" r:id="rId3"/>
-    <p:sldLayoutId id="2147483651" r:id="rId4"/>
-    <p:sldLayoutId id="2147483652" r:id="rId5"/>
-    <p:sldLayoutId id="2147483653" r:id="rId6"/>
-    <p:sldLayoutId id="2147483654" r:id="rId7"/>
-    <p:sldLayoutId id="2147483655" r:id="rId8"/>
-    <p:sldLayoutId id="2147483656" r:id="rId9"/>
-    <p:sldLayoutId id="2147483657" r:id="rId10"/>
-    <p:sldLayoutId id="2147483658" r:id="rId11"/>
-    <p:sldLayoutId id="2147483659" r:id="rId12"/>
-    <p:sldLayoutId id="2147483660" r:id="rId13"/>
+    <p:sldLayoutId id="2147483649" r:id="rId1"/>
+    <p:sldLayoutId id="2147483650" r:id="rId2"/>
+    <p:sldLayoutId id="2147483651" r:id="rId3"/>
+    <p:sldLayoutId id="2147483652" r:id="rId4"/>
+    <p:sldLayoutId id="2147483653" r:id="rId5"/>
+    <p:sldLayoutId id="2147483654" r:id="rId6"/>
+    <p:sldLayoutId id="2147483655" r:id="rId7"/>
+    <p:sldLayoutId id="2147483656" r:id="rId8"/>
+    <p:sldLayoutId id="2147483657" r:id="rId9"/>
+    <p:sldLayoutId id="2147483658" r:id="rId10"/>
+    <p:sldLayoutId id="2147483659" r:id="rId11"/>
+    <p:sldLayoutId id="2147483660" r:id="rId12"/>
   </p:sldLayoutIdLst>
-  <p:transition xmlns:p14="http://schemas.microsoft.com/office/powerpoint/2010/main" spd="med" advClick="1"/>
+  <p:transition spd="med"/>
   <p:txStyles>
     <p:titleStyle>
       <a:lvl1pPr marL="0" marR="0" indent="0" algn="l" defTabSz="825500" rtl="0" latinLnBrk="0">
@@ -2867,7 +2970,7 @@
         <a:buFontTx/>
         <a:buNone/>
         <a:tabLst/>
-        <a:defRPr b="0" baseline="0" cap="all" i="0" spc="0" strike="noStrike" sz="7500" u="none">
+        <a:defRPr sz="7500" b="0" i="0" u="none" strike="noStrike" cap="all" spc="0" baseline="0">
           <a:solidFill>
             <a:srgbClr val="747676"/>
           </a:solidFill>
@@ -2893,7 +2996,7 @@
         <a:buFontTx/>
         <a:buNone/>
         <a:tabLst/>
-        <a:defRPr b="0" baseline="0" cap="all" i="0" spc="0" strike="noStrike" sz="7500" u="none">
+        <a:defRPr sz="7500" b="0" i="0" u="none" strike="noStrike" cap="all" spc="0" baseline="0">
           <a:solidFill>
             <a:srgbClr val="747676"/>
           </a:solidFill>
@@ -2919,7 +3022,7 @@
         <a:buFontTx/>
         <a:buNone/>
         <a:tabLst/>
-        <a:defRPr b="0" baseline="0" cap="all" i="0" spc="0" strike="noStrike" sz="7500" u="none">
+        <a:defRPr sz="7500" b="0" i="0" u="none" strike="noStrike" cap="all" spc="0" baseline="0">
           <a:solidFill>
             <a:srgbClr val="747676"/>
           </a:solidFill>
@@ -2945,7 +3048,7 @@
         <a:buFontTx/>
         <a:buNone/>
         <a:tabLst/>
-        <a:defRPr b="0" baseline="0" cap="all" i="0" spc="0" strike="noStrike" sz="7500" u="none">
+        <a:defRPr sz="7500" b="0" i="0" u="none" strike="noStrike" cap="all" spc="0" baseline="0">
           <a:solidFill>
             <a:srgbClr val="747676"/>
           </a:solidFill>
@@ -2971,7 +3074,7 @@
         <a:buFontTx/>
         <a:buNone/>
         <a:tabLst/>
-        <a:defRPr b="0" baseline="0" cap="all" i="0" spc="0" strike="noStrike" sz="7500" u="none">
+        <a:defRPr sz="7500" b="0" i="0" u="none" strike="noStrike" cap="all" spc="0" baseline="0">
           <a:solidFill>
             <a:srgbClr val="747676"/>
           </a:solidFill>
@@ -2997,7 +3100,7 @@
         <a:buFontTx/>
         <a:buNone/>
         <a:tabLst/>
-        <a:defRPr b="0" baseline="0" cap="all" i="0" spc="0" strike="noStrike" sz="7500" u="none">
+        <a:defRPr sz="7500" b="0" i="0" u="none" strike="noStrike" cap="all" spc="0" baseline="0">
           <a:solidFill>
             <a:srgbClr val="747676"/>
           </a:solidFill>
@@ -3023,7 +3126,7 @@
         <a:buFontTx/>
         <a:buNone/>
         <a:tabLst/>
-        <a:defRPr b="0" baseline="0" cap="all" i="0" spc="0" strike="noStrike" sz="7500" u="none">
+        <a:defRPr sz="7500" b="0" i="0" u="none" strike="noStrike" cap="all" spc="0" baseline="0">
           <a:solidFill>
             <a:srgbClr val="747676"/>
           </a:solidFill>
@@ -3049,7 +3152,7 @@
         <a:buFontTx/>
         <a:buNone/>
         <a:tabLst/>
-        <a:defRPr b="0" baseline="0" cap="all" i="0" spc="0" strike="noStrike" sz="7500" u="none">
+        <a:defRPr sz="7500" b="0" i="0" u="none" strike="noStrike" cap="all" spc="0" baseline="0">
           <a:solidFill>
             <a:srgbClr val="747676"/>
           </a:solidFill>
@@ -3075,7 +3178,7 @@
         <a:buFontTx/>
         <a:buNone/>
         <a:tabLst/>
-        <a:defRPr b="0" baseline="0" cap="all" i="0" spc="0" strike="noStrike" sz="7500" u="none">
+        <a:defRPr sz="7500" b="0" i="0" u="none" strike="noStrike" cap="all" spc="0" baseline="0">
           <a:solidFill>
             <a:srgbClr val="747676"/>
           </a:solidFill>
@@ -3103,7 +3206,7 @@
         <a:buFont typeface="Zapf Dingbats"/>
         <a:buChar char="➤"/>
         <a:tabLst/>
-        <a:defRPr b="0" baseline="0" cap="none" i="0" spc="0" strike="noStrike" sz="4500" u="none">
+        <a:defRPr sz="4500" b="0" i="0" u="none" strike="noStrike" cap="none" spc="0" baseline="0">
           <a:solidFill>
             <a:srgbClr val="5C5C5C"/>
           </a:solidFill>
@@ -3129,7 +3232,7 @@
         <a:buFont typeface="Zapf Dingbats"/>
         <a:buChar char="➤"/>
         <a:tabLst/>
-        <a:defRPr b="0" baseline="0" cap="none" i="0" spc="0" strike="noStrike" sz="4500" u="none">
+        <a:defRPr sz="4500" b="0" i="0" u="none" strike="noStrike" cap="none" spc="0" baseline="0">
           <a:solidFill>
             <a:srgbClr val="5C5C5C"/>
           </a:solidFill>
@@ -3155,7 +3258,7 @@
         <a:buFont typeface="Zapf Dingbats"/>
         <a:buChar char="➤"/>
         <a:tabLst/>
-        <a:defRPr b="0" baseline="0" cap="none" i="0" spc="0" strike="noStrike" sz="4500" u="none">
+        <a:defRPr sz="4500" b="0" i="0" u="none" strike="noStrike" cap="none" spc="0" baseline="0">
           <a:solidFill>
             <a:srgbClr val="5C5C5C"/>
           </a:solidFill>
@@ -3181,7 +3284,7 @@
         <a:buFont typeface="Zapf Dingbats"/>
         <a:buChar char="➤"/>
         <a:tabLst/>
-        <a:defRPr b="0" baseline="0" cap="none" i="0" spc="0" strike="noStrike" sz="4500" u="none">
+        <a:defRPr sz="4500" b="0" i="0" u="none" strike="noStrike" cap="none" spc="0" baseline="0">
           <a:solidFill>
             <a:srgbClr val="5C5C5C"/>
           </a:solidFill>
@@ -3207,7 +3310,7 @@
         <a:buFont typeface="Zapf Dingbats"/>
         <a:buChar char="➤"/>
         <a:tabLst/>
-        <a:defRPr b="0" baseline="0" cap="none" i="0" spc="0" strike="noStrike" sz="4500" u="none">
+        <a:defRPr sz="4500" b="0" i="0" u="none" strike="noStrike" cap="none" spc="0" baseline="0">
           <a:solidFill>
             <a:srgbClr val="5C5C5C"/>
           </a:solidFill>
@@ -3233,7 +3336,7 @@
         <a:buFont typeface="Zapf Dingbats"/>
         <a:buChar char="➤"/>
         <a:tabLst/>
-        <a:defRPr b="0" baseline="0" cap="none" i="0" spc="0" strike="noStrike" sz="4500" u="none">
+        <a:defRPr sz="4500" b="0" i="0" u="none" strike="noStrike" cap="none" spc="0" baseline="0">
           <a:solidFill>
             <a:srgbClr val="5C5C5C"/>
           </a:solidFill>
@@ -3259,7 +3362,7 @@
         <a:buFont typeface="Zapf Dingbats"/>
         <a:buChar char="➤"/>
         <a:tabLst/>
-        <a:defRPr b="0" baseline="0" cap="none" i="0" spc="0" strike="noStrike" sz="4500" u="none">
+        <a:defRPr sz="4500" b="0" i="0" u="none" strike="noStrike" cap="none" spc="0" baseline="0">
           <a:solidFill>
             <a:srgbClr val="5C5C5C"/>
           </a:solidFill>
@@ -3285,7 +3388,7 @@
         <a:buFont typeface="Zapf Dingbats"/>
         <a:buChar char="➤"/>
         <a:tabLst/>
-        <a:defRPr b="0" baseline="0" cap="none" i="0" spc="0" strike="noStrike" sz="4500" u="none">
+        <a:defRPr sz="4500" b="0" i="0" u="none" strike="noStrike" cap="none" spc="0" baseline="0">
           <a:solidFill>
             <a:srgbClr val="5C5C5C"/>
           </a:solidFill>
@@ -3311,7 +3414,7 @@
         <a:buFont typeface="Zapf Dingbats"/>
         <a:buChar char="➤"/>
         <a:tabLst/>
-        <a:defRPr b="0" baseline="0" cap="none" i="0" spc="0" strike="noStrike" sz="4500" u="none">
+        <a:defRPr sz="4500" b="0" i="0" u="none" strike="noStrike" cap="none" spc="0" baseline="0">
           <a:solidFill>
             <a:srgbClr val="5C5C5C"/>
           </a:solidFill>
@@ -3339,7 +3442,7 @@
         <a:buFontTx/>
         <a:buNone/>
         <a:tabLst/>
-        <a:defRPr b="0" baseline="0" cap="none" i="0" spc="0" strike="noStrike" sz="2500" u="none">
+        <a:defRPr sz="2500" b="0" i="0" u="none" strike="noStrike" cap="none" spc="0" baseline="0">
           <a:solidFill>
             <a:schemeClr val="tx1"/>
           </a:solidFill>
@@ -3365,7 +3468,7 @@
         <a:buFontTx/>
         <a:buNone/>
         <a:tabLst/>
-        <a:defRPr b="0" baseline="0" cap="none" i="0" spc="0" strike="noStrike" sz="2500" u="none">
+        <a:defRPr sz="2500" b="0" i="0" u="none" strike="noStrike" cap="none" spc="0" baseline="0">
           <a:solidFill>
             <a:schemeClr val="tx1"/>
           </a:solidFill>
@@ -3391,7 +3494,7 @@
         <a:buFontTx/>
         <a:buNone/>
         <a:tabLst/>
-        <a:defRPr b="0" baseline="0" cap="none" i="0" spc="0" strike="noStrike" sz="2500" u="none">
+        <a:defRPr sz="2500" b="0" i="0" u="none" strike="noStrike" cap="none" spc="0" baseline="0">
           <a:solidFill>
             <a:schemeClr val="tx1"/>
           </a:solidFill>
@@ -3417,7 +3520,7 @@
         <a:buFontTx/>
         <a:buNone/>
         <a:tabLst/>
-        <a:defRPr b="0" baseline="0" cap="none" i="0" spc="0" strike="noStrike" sz="2500" u="none">
+        <a:defRPr sz="2500" b="0" i="0" u="none" strike="noStrike" cap="none" spc="0" baseline="0">
           <a:solidFill>
             <a:schemeClr val="tx1"/>
           </a:solidFill>
@@ -3443,7 +3546,7 @@
         <a:buFontTx/>
         <a:buNone/>
         <a:tabLst/>
-        <a:defRPr b="0" baseline="0" cap="none" i="0" spc="0" strike="noStrike" sz="2500" u="none">
+        <a:defRPr sz="2500" b="0" i="0" u="none" strike="noStrike" cap="none" spc="0" baseline="0">
           <a:solidFill>
             <a:schemeClr val="tx1"/>
           </a:solidFill>
@@ -3469,7 +3572,7 @@
         <a:buFontTx/>
         <a:buNone/>
         <a:tabLst/>
-        <a:defRPr b="0" baseline="0" cap="none" i="0" spc="0" strike="noStrike" sz="2500" u="none">
+        <a:defRPr sz="2500" b="0" i="0" u="none" strike="noStrike" cap="none" spc="0" baseline="0">
           <a:solidFill>
             <a:schemeClr val="tx1"/>
           </a:solidFill>
@@ -3495,7 +3598,7 @@
         <a:buFontTx/>
         <a:buNone/>
         <a:tabLst/>
-        <a:defRPr b="0" baseline="0" cap="none" i="0" spc="0" strike="noStrike" sz="2500" u="none">
+        <a:defRPr sz="2500" b="0" i="0" u="none" strike="noStrike" cap="none" spc="0" baseline="0">
           <a:solidFill>
             <a:schemeClr val="tx1"/>
           </a:solidFill>
@@ -3521,7 +3624,7 @@
         <a:buFontTx/>
         <a:buNone/>
         <a:tabLst/>
-        <a:defRPr b="0" baseline="0" cap="none" i="0" spc="0" strike="noStrike" sz="2500" u="none">
+        <a:defRPr sz="2500" b="0" i="0" u="none" strike="noStrike" cap="none" spc="0" baseline="0">
           <a:solidFill>
             <a:schemeClr val="tx1"/>
           </a:solidFill>
@@ -3547,7 +3650,7 @@
         <a:buFontTx/>
         <a:buNone/>
         <a:tabLst/>
-        <a:defRPr b="0" baseline="0" cap="none" i="0" spc="0" strike="noStrike" sz="2500" u="none">
+        <a:defRPr sz="2500" b="0" i="0" u="none" strike="noStrike" cap="none" spc="0" baseline="0">
           <a:solidFill>
             <a:schemeClr val="tx1"/>
           </a:solidFill>
@@ -3564,7 +3667,7 @@
 </file>
 
 <file path=ppt/slides/slide1.xml><?xml version="1.0" encoding="utf-8"?>
-<p:sld xmlns:a="http://schemas.openxmlformats.org/drawingml/2006/main" xmlns:r="http://schemas.openxmlformats.org/officeDocument/2006/relationships" xmlns:p="http://schemas.openxmlformats.org/presentationml/2006/main" xmlns:m="http://schemas.openxmlformats.org/officeDocument/2006/math" xmlns:a14="http://schemas.microsoft.com/office/drawing/2010/main" showMasterSp="1" showMasterPhAnim="1">
+<p:sld xmlns:a="http://schemas.openxmlformats.org/drawingml/2006/main" xmlns:r="http://schemas.openxmlformats.org/officeDocument/2006/relationships" xmlns:p="http://schemas.openxmlformats.org/presentationml/2006/main">
   <p:cSld>
     <p:spTree>
       <p:nvGrpSpPr>
@@ -3611,7 +3714,7 @@
               <a:spcBef>
                 <a:spcPts val="0"/>
               </a:spcBef>
-              <a:defRPr i="0" spc="0" sz="1200">
+              <a:defRPr sz="1200" i="0" spc="0">
                 <a:solidFill>
                   <a:srgbClr val="000000"/>
                 </a:solidFill>
@@ -3621,13 +3724,16 @@
                 <a:sym typeface="Helvetica"/>
               </a:defRPr>
             </a:pPr>
+            <a:endParaRPr/>
           </a:p>
         </p:txBody>
       </p:sp>
       <p:sp>
         <p:nvSpPr>
           <p:cNvPr id="129" name="Basic Details of the team…"/>
-          <p:cNvSpPr txBox="1"/>
+          <p:cNvSpPr txBox="1">
+            <a:spLocks noGrp="1"/>
+          </p:cNvSpPr>
           <p:nvPr>
             <p:ph type="title"/>
           </p:nvPr>
@@ -3669,7 +3775,9 @@
       <p:sp>
         <p:nvSpPr>
           <p:cNvPr id="130" name="Organization Name : Netaji Subhash University of Technology, Dwarka, New Delhi - 59…"/>
-          <p:cNvSpPr txBox="1"/>
+          <p:cNvSpPr txBox="1">
+            <a:spLocks noGrp="1"/>
+          </p:cNvSpPr>
           <p:nvPr>
             <p:ph type="body" idx="1"/>
           </p:nvPr>
@@ -3687,43 +3795,36 @@
           <a:bodyPr/>
           <a:lstStyle/>
           <a:p>
-            <a:pPr/>
             <a:r>
               <a:t>Organization Name : Netaji Subhash University of Technology, Dwarka, New Delhi - 59</a:t>
             </a:r>
           </a:p>
           <a:p>
-            <a:pPr/>
             <a:r>
               <a:t>PS Code : DR716</a:t>
             </a:r>
           </a:p>
           <a:p>
-            <a:pPr/>
             <a:r>
               <a:t>Problem Statement Title : Integrated information platform for information about Indian Universities</a:t>
             </a:r>
           </a:p>
           <a:p>
-            <a:pPr/>
             <a:r>
               <a:t>Team name : Brute4s</a:t>
             </a:r>
           </a:p>
           <a:p>
-            <a:pPr/>
             <a:r>
               <a:t>Team Leader Name : Yash Bansal</a:t>
             </a:r>
           </a:p>
           <a:p>
-            <a:pPr/>
             <a:r>
               <a:t>Institute Code (AISHE) : U-1056</a:t>
             </a:r>
           </a:p>
           <a:p>
-            <a:pPr/>
             <a:r>
               <a:t>Theme Name : Smart Education</a:t>
             </a:r>
@@ -3749,13 +3850,13 @@
           </a:ln>
           <a:extLst>
             <a:ext uri="{C572A759-6A51-4108-AA02-DFA0A04FC94B}">
-              <ma14:wrappingTextBoxFlag xmlns:ma14="http://schemas.microsoft.com/office/mac/drawingml/2011/main" val="1"/>
+              <ma14:wrappingTextBoxFlag xmlns="" xmlns:m="http://schemas.openxmlformats.org/officeDocument/2006/math" xmlns:a14="http://schemas.microsoft.com/office/drawing/2010/main" xmlns:ma14="http://schemas.microsoft.com/office/mac/drawingml/2011/main" val="1"/>
             </a:ext>
           </a:extLst>
         </p:spPr>
         <p:txBody>
           <a:bodyPr lIns="50800" tIns="50800" rIns="50800" bIns="50800">
-            <a:normAutofit fontScale="100000" lnSpcReduction="0"/>
+            <a:normAutofit/>
           </a:bodyPr>
           <a:lstStyle/>
           <a:p>
@@ -3766,12 +3867,13 @@
               <a:spcBef>
                 <a:spcPts val="0"/>
               </a:spcBef>
-              <a:defRPr spc="0" sz="2800">
+              <a:defRPr sz="2800" spc="0">
                 <a:solidFill>
                   <a:srgbClr val="747676"/>
                 </a:solidFill>
               </a:defRPr>
             </a:pPr>
+            <a:endParaRPr/>
           </a:p>
         </p:txBody>
       </p:sp>
@@ -3784,9 +3886,7 @@
           <p:nvPr/>
         </p:nvPicPr>
         <p:blipFill>
-          <a:blip r:embed="rId2">
-            <a:extLst/>
-          </a:blip>
+          <a:blip r:embed="rId2"/>
           <a:stretch>
             <a:fillRect/>
           </a:stretch>
@@ -3809,12 +3909,12 @@
   <p:clrMapOvr>
     <a:masterClrMapping/>
   </p:clrMapOvr>
-  <p:transition xmlns:p14="http://schemas.microsoft.com/office/powerpoint/2010/main" spd="med" advClick="1"/>
+  <p:transition spd="med"/>
 </p:sld>
 </file>
 
 <file path=ppt/slides/slide2.xml><?xml version="1.0" encoding="utf-8"?>
-<p:sld xmlns:a="http://schemas.openxmlformats.org/drawingml/2006/main" xmlns:r="http://schemas.openxmlformats.org/officeDocument/2006/relationships" xmlns:p="http://schemas.openxmlformats.org/presentationml/2006/main" xmlns:m="http://schemas.openxmlformats.org/officeDocument/2006/math" xmlns:a14="http://schemas.microsoft.com/office/drawing/2010/main" showMasterSp="1" showMasterPhAnim="1">
+<p:sld xmlns:a="http://schemas.openxmlformats.org/drawingml/2006/main" xmlns:r="http://schemas.openxmlformats.org/officeDocument/2006/relationships" xmlns:p="http://schemas.openxmlformats.org/presentationml/2006/main">
   <p:cSld>
     <p:spTree>
       <p:nvGrpSpPr>
@@ -3830,46 +3930,19 @@
           <a:chExt cx="0" cy="0"/>
         </a:xfrm>
       </p:grpSpPr>
-      <p:pic>
-        <p:nvPicPr>
-          <p:cNvPr id="134" name="Abstract background with overlapping green and yellow shapes" descr="Abstract background with overlapping green and yellow shapes"/>
-          <p:cNvPicPr>
-            <a:picLocks noChangeAspect="1"/>
-          </p:cNvPicPr>
-          <p:nvPr>
-            <p:ph type="pic" idx="22"/>
-          </p:nvPr>
-        </p:nvPicPr>
-        <p:blipFill>
-          <a:blip r:embed="rId2">
-            <a:extLst/>
-          </a:blip>
-          <a:srcRect l="0" t="26712" r="12568" b="13856"/>
-          <a:stretch>
-            <a:fillRect/>
-          </a:stretch>
-        </p:blipFill>
-        <p:spPr>
-          <a:xfrm>
-            <a:off x="15240000" y="1016000"/>
-            <a:ext cx="8128000" cy="4775200"/>
-          </a:xfrm>
-          <a:prstGeom prst="rect">
-            <a:avLst/>
-          </a:prstGeom>
-        </p:spPr>
-      </p:pic>
       <p:sp>
         <p:nvSpPr>
           <p:cNvPr id="135" name="Idea/Approach Details"/>
-          <p:cNvSpPr txBox="1"/>
+          <p:cNvSpPr txBox="1">
+            <a:spLocks noGrp="1"/>
+          </p:cNvSpPr>
           <p:nvPr>
             <p:ph type="body" sz="quarter" idx="1"/>
           </p:nvPr>
         </p:nvSpPr>
         <p:spPr>
           <a:xfrm>
-            <a:off x="1016000" y="11540745"/>
+            <a:off x="1016000" y="12482668"/>
             <a:ext cx="22352000" cy="1905001"/>
           </a:xfrm>
           <a:prstGeom prst="rect">
@@ -3887,13 +3960,14 @@
               <a:spcBef>
                 <a:spcPts val="0"/>
               </a:spcBef>
-              <a:defRPr spc="0" sz="7000">
+              <a:defRPr sz="7000" spc="0">
                 <a:solidFill>
                   <a:srgbClr val="747676"/>
                 </a:solidFill>
               </a:defRPr>
             </a:pPr>
             <a:r>
+              <a:rPr dirty="0"/>
               <a:t>Idea/Approach Details</a:t>
             </a:r>
           </a:p>
@@ -3918,7 +3992,7 @@
           </a:ln>
           <a:extLst>
             <a:ext uri="{C572A759-6A51-4108-AA02-DFA0A04FC94B}">
-              <ma14:wrappingTextBoxFlag xmlns:ma14="http://schemas.microsoft.com/office/mac/drawingml/2011/main" val="1"/>
+              <ma14:wrappingTextBoxFlag xmlns="" xmlns:m="http://schemas.openxmlformats.org/officeDocument/2006/math" xmlns:a14="http://schemas.microsoft.com/office/drawing/2010/main" xmlns:ma14="http://schemas.microsoft.com/office/mac/drawingml/2011/main" val="1"/>
             </a:ext>
           </a:extLst>
         </p:spPr>
@@ -3928,8 +4002,8 @@
           </a:bodyPr>
           <a:lstStyle/>
           <a:p>
-            <a:pPr/>
-            <a:r>
+            <a:r>
+              <a:rPr dirty="0"/>
               <a:t>Description of prototype : </a:t>
             </a:r>
           </a:p>
@@ -3940,6 +4014,7 @@
               <a:buChar char="➤"/>
             </a:pPr>
             <a:r>
+              <a:rPr dirty="0"/>
               <a:t>Our website presents the colleges which offer technical courses in different backgrounds.</a:t>
             </a:r>
           </a:p>
@@ -3950,6 +4025,7 @@
               <a:buChar char="➤"/>
             </a:pPr>
             <a:r>
+              <a:rPr dirty="0"/>
               <a:t>We also show more about that college and their courses after you click on a particular college placard.</a:t>
             </a:r>
           </a:p>
@@ -3960,15 +4036,16 @@
               <a:buChar char="➤"/>
             </a:pPr>
             <a:r>
+              <a:rPr dirty="0"/>
               <a:t>We have implemented a search bar to search for a particular college.</a:t>
             </a:r>
           </a:p>
           <a:p>
-            <a:pPr/>
-          </a:p>
-          <a:p>
-            <a:pPr/>
-            <a:r>
+            <a:endParaRPr dirty="0"/>
+          </a:p>
+          <a:p>
+            <a:r>
+              <a:rPr dirty="0"/>
               <a:t>Addons : </a:t>
             </a:r>
           </a:p>
@@ -3979,6 +4056,7 @@
               <a:buChar char="➤"/>
             </a:pPr>
             <a:r>
+              <a:rPr dirty="0"/>
               <a:t>Recommendation Filter for students to see different other colleges based on their searching data.</a:t>
             </a:r>
           </a:p>
@@ -3989,6 +4067,7 @@
               <a:buChar char="➤"/>
             </a:pPr>
             <a:r>
+              <a:rPr dirty="0"/>
               <a:t>Review system where students of that college can review their colleges. (Low priority)</a:t>
             </a:r>
           </a:p>
@@ -4002,8 +4081,8 @@
         </p:nvSpPr>
         <p:spPr>
           <a:xfrm>
-            <a:off x="15211583" y="6496050"/>
-            <a:ext cx="9102376" cy="4889501"/>
+            <a:off x="15281624" y="7805892"/>
+            <a:ext cx="9102376" cy="4348306"/>
           </a:xfrm>
           <a:prstGeom prst="rect">
             <a:avLst/>
@@ -4013,7 +4092,7 @@
           </a:ln>
           <a:extLst>
             <a:ext uri="{C572A759-6A51-4108-AA02-DFA0A04FC94B}">
-              <ma14:wrappingTextBoxFlag xmlns:ma14="http://schemas.microsoft.com/office/mac/drawingml/2011/main" val="1"/>
+              <ma14:wrappingTextBoxFlag xmlns="" xmlns:m="http://schemas.openxmlformats.org/officeDocument/2006/math" xmlns:a14="http://schemas.microsoft.com/office/drawing/2010/main" xmlns:ma14="http://schemas.microsoft.com/office/mac/drawingml/2011/main" val="1"/>
             </a:ext>
           </a:extLst>
         </p:spPr>
@@ -4023,8 +4102,8 @@
           </a:bodyPr>
           <a:lstStyle/>
           <a:p>
-            <a:pPr/>
-            <a:r>
+            <a:r>
+              <a:rPr dirty="0"/>
               <a:t>Tech stack : </a:t>
             </a:r>
           </a:p>
@@ -4038,6 +4117,7 @@
               <a:buChar char="➤"/>
             </a:pPr>
             <a:r>
+              <a:rPr dirty="0"/>
               <a:t>Nodejs with express framework for backend</a:t>
             </a:r>
           </a:p>
@@ -4051,7 +4131,16 @@
               <a:buChar char="➤"/>
             </a:pPr>
             <a:r>
-              <a:t>HTML, CSS, JS for frontend (Bootstrap,jquery)</a:t>
+              <a:rPr dirty="0"/>
+              <a:t>HTML, CSS, JS for frontend (</a:t>
+            </a:r>
+            <a:r>
+              <a:rPr dirty="0" err="1"/>
+              <a:t>Bootstrap,jquery</a:t>
+            </a:r>
+            <a:r>
+              <a:rPr dirty="0"/>
+              <a:t>)</a:t>
             </a:r>
           </a:p>
           <a:p>
@@ -4064,7 +4153,16 @@
               <a:buChar char="➤"/>
             </a:pPr>
             <a:r>
-              <a:t>Handlebar templating engine</a:t>
+              <a:rPr dirty="0"/>
+              <a:t>Handlebar</a:t>
+            </a:r>
+            <a:r>
+              <a:rPr lang="en-US" dirty="0"/>
+              <a:t>s</a:t>
+            </a:r>
+            <a:r>
+              <a:rPr dirty="0"/>
+              <a:t> templating engine</a:t>
             </a:r>
           </a:p>
           <a:p>
@@ -4077,22 +4175,59 @@
               <a:buChar char="➤"/>
             </a:pPr>
             <a:r>
+              <a:rPr dirty="0"/>
               <a:t>MongoDB as our database</a:t>
             </a:r>
           </a:p>
         </p:txBody>
       </p:sp>
+      <p:pic>
+        <p:nvPicPr>
+          <p:cNvPr id="5" name="Picture Placeholder 4">
+            <a:extLst>
+              <a:ext uri="{FF2B5EF4-FFF2-40B4-BE49-F238E27FC236}">
+                <a16:creationId xmlns:a16="http://schemas.microsoft.com/office/drawing/2014/main" id="{E09E7D24-6B20-DF4F-A29C-DA860606C55B}"/>
+              </a:ext>
+            </a:extLst>
+          </p:cNvPr>
+          <p:cNvPicPr>
+            <a:picLocks noGrp="1" noChangeAspect="1"/>
+          </p:cNvPicPr>
+          <p:nvPr>
+            <p:ph type="pic" sz="half" idx="22"/>
+          </p:nvPr>
+        </p:nvPicPr>
+        <p:blipFill>
+          <a:blip r:embed="rId2">
+            <a:extLst>
+              <a:ext uri="{28A0092B-C50C-407E-A947-70E740481C1C}">
+                <a14:useLocalDpi xmlns:a14="http://schemas.microsoft.com/office/drawing/2010/main" val="0"/>
+              </a:ext>
+            </a:extLst>
+          </a:blip>
+          <a:srcRect l="4801" r="4801"/>
+          <a:stretch>
+            <a:fillRect/>
+          </a:stretch>
+        </p:blipFill>
+        <p:spPr>
+          <a:xfrm>
+            <a:off x="15281625" y="0"/>
+            <a:ext cx="9102376" cy="7867173"/>
+          </a:xfrm>
+        </p:spPr>
+      </p:pic>
     </p:spTree>
   </p:cSld>
   <p:clrMapOvr>
     <a:masterClrMapping/>
   </p:clrMapOvr>
-  <p:transition xmlns:p14="http://schemas.microsoft.com/office/powerpoint/2010/main" spd="med" advClick="1"/>
+  <p:transition spd="med"/>
 </p:sld>
 </file>
 
 <file path=ppt/slides/slide3.xml><?xml version="1.0" encoding="utf-8"?>
-<p:sld xmlns:a="http://schemas.openxmlformats.org/drawingml/2006/main" xmlns:r="http://schemas.openxmlformats.org/officeDocument/2006/relationships" xmlns:p="http://schemas.openxmlformats.org/presentationml/2006/main" xmlns:m="http://schemas.openxmlformats.org/officeDocument/2006/math" xmlns:a14="http://schemas.microsoft.com/office/drawing/2010/main" showMasterSp="1" showMasterPhAnim="1">
+<p:sld xmlns:a="http://schemas.openxmlformats.org/drawingml/2006/main" xmlns:r="http://schemas.openxmlformats.org/officeDocument/2006/relationships" xmlns:p="http://schemas.openxmlformats.org/presentationml/2006/main">
   <p:cSld>
     <p:spTree>
       <p:nvGrpSpPr>
@@ -4139,7 +4274,7 @@
               <a:spcBef>
                 <a:spcPts val="0"/>
               </a:spcBef>
-              <a:defRPr i="0" spc="0" sz="1200">
+              <a:defRPr sz="1200" i="0" spc="0">
                 <a:solidFill>
                   <a:srgbClr val="000000"/>
                 </a:solidFill>
@@ -4149,13 +4284,16 @@
                 <a:sym typeface="Helvetica"/>
               </a:defRPr>
             </a:pPr>
+            <a:endParaRPr/>
           </a:p>
         </p:txBody>
       </p:sp>
       <p:sp>
         <p:nvSpPr>
           <p:cNvPr id="140" name="Use cases and unique features"/>
-          <p:cNvSpPr txBox="1"/>
+          <p:cNvSpPr txBox="1">
+            <a:spLocks noGrp="1"/>
+          </p:cNvSpPr>
           <p:nvPr>
             <p:ph type="title"/>
           </p:nvPr>
@@ -4175,7 +4313,7 @@
               <a:spcBef>
                 <a:spcPts val="0"/>
               </a:spcBef>
-              <a:defRPr cap="none" i="1" sz="5250">
+              <a:defRPr sz="5250" i="1" cap="none">
                 <a:latin typeface="Iowan Old Style Roman"/>
                 <a:ea typeface="Iowan Old Style Roman"/>
                 <a:cs typeface="Iowan Old Style Roman"/>
@@ -4184,7 +4322,6 @@
             </a:lvl1pPr>
           </a:lstStyle>
           <a:p>
-            <a:pPr/>
             <a:r>
               <a:t>Use cases and unique features</a:t>
             </a:r>
@@ -4194,7 +4331,9 @@
       <p:sp>
         <p:nvSpPr>
           <p:cNvPr id="141" name="Our user will expect comparisons and organised data for courses in our site, which is our vision and a fundamental in our project.…"/>
-          <p:cNvSpPr txBox="1"/>
+          <p:cNvSpPr txBox="1">
+            <a:spLocks noGrp="1"/>
+          </p:cNvSpPr>
           <p:nvPr>
             <p:ph type="body" idx="1"/>
           </p:nvPr>
@@ -4208,25 +4347,21 @@
           <a:bodyPr/>
           <a:lstStyle/>
           <a:p>
-            <a:pPr/>
             <a:r>
               <a:t>Our user will expect comparisons and organised data for courses in our site, which is our vision and a fundamental in our project.</a:t>
             </a:r>
           </a:p>
           <a:p>
-            <a:pPr/>
             <a:r>
               <a:t>Credible source of information and guide to a student’s career choices.</a:t>
             </a:r>
           </a:p>
           <a:p>
-            <a:pPr/>
             <a:r>
               <a:t>Lack of information is leading to self-glorification and inbreeding among University and College students and faculty members.</a:t>
             </a:r>
           </a:p>
           <a:p>
-            <a:pPr/>
             <a:r>
               <a:t>Our site will help both student and faculty communities for self-improvement through comparison and emulation.</a:t>
             </a:r>
@@ -4238,12 +4373,12 @@
   <p:clrMapOvr>
     <a:masterClrMapping/>
   </p:clrMapOvr>
-  <p:transition xmlns:p14="http://schemas.microsoft.com/office/powerpoint/2010/main" spd="med" advClick="1"/>
+  <p:transition spd="med"/>
 </p:sld>
 </file>
 
 <file path=ppt/slides/slide4.xml><?xml version="1.0" encoding="utf-8"?>
-<p:sld xmlns:a="http://schemas.openxmlformats.org/drawingml/2006/main" xmlns:r="http://schemas.openxmlformats.org/officeDocument/2006/relationships" xmlns:p="http://schemas.openxmlformats.org/presentationml/2006/main" xmlns:m="http://schemas.openxmlformats.org/officeDocument/2006/math" xmlns:a14="http://schemas.microsoft.com/office/drawing/2010/main" showMasterSp="1" showMasterPhAnim="1">
+<p:sld xmlns:a="http://schemas.openxmlformats.org/drawingml/2006/main" xmlns:r="http://schemas.openxmlformats.org/officeDocument/2006/relationships" xmlns:p="http://schemas.openxmlformats.org/presentationml/2006/main">
   <p:cSld>
     <p:spTree>
       <p:nvGrpSpPr>
@@ -4290,7 +4425,7 @@
               <a:spcBef>
                 <a:spcPts val="0"/>
               </a:spcBef>
-              <a:defRPr i="0" spc="0" sz="1200">
+              <a:defRPr sz="1200" i="0" spc="0">
                 <a:solidFill>
                   <a:srgbClr val="000000"/>
                 </a:solidFill>
@@ -4300,13 +4435,16 @@
                 <a:sym typeface="Helvetica"/>
               </a:defRPr>
             </a:pPr>
+            <a:endParaRPr/>
           </a:p>
         </p:txBody>
       </p:sp>
       <p:sp>
         <p:nvSpPr>
           <p:cNvPr id="144" name="Team member details"/>
-          <p:cNvSpPr txBox="1"/>
+          <p:cNvSpPr txBox="1">
+            <a:spLocks noGrp="1"/>
+          </p:cNvSpPr>
           <p:nvPr>
             <p:ph type="title"/>
           </p:nvPr>
@@ -4317,7 +4455,9 @@
           </a:prstGeom>
         </p:spPr>
         <p:txBody>
-          <a:bodyPr/>
+          <a:bodyPr>
+            <a:normAutofit fontScale="90000"/>
+          </a:bodyPr>
           <a:lstStyle>
             <a:lvl1pPr defTabSz="685165">
               <a:spcBef>
@@ -4332,7 +4472,6 @@
             </a:lvl1pPr>
           </a:lstStyle>
           <a:p>
-            <a:pPr/>
             <a:r>
               <a:t>Team member details</a:t>
             </a:r>
@@ -4342,7 +4481,9 @@
       <p:sp>
         <p:nvSpPr>
           <p:cNvPr id="145" name="Team Leader Name : Yash Bansal  Branch : Btech Stream : CSAI Year : II…"/>
-          <p:cNvSpPr txBox="1"/>
+          <p:cNvSpPr txBox="1">
+            <a:spLocks noGrp="1"/>
+          </p:cNvSpPr>
           <p:nvPr>
             <p:ph type="body" sz="half" idx="1"/>
           </p:nvPr>
@@ -4367,18 +4508,32 @@
               <a:defRPr sz="3150"/>
             </a:pPr>
             <a:r>
+              <a:rPr dirty="0"/>
               <a:t>Team Leader Name : Yash Bansal </a:t>
             </a:r>
-            <a:br/>
-            <a:r>
-              <a:t>Branch : Btech</a:t>
-            </a:r>
-            <a:br/>
-            <a:r>
+            <a:br>
+              <a:rPr dirty="0"/>
+            </a:br>
+            <a:r>
+              <a:rPr dirty="0"/>
+              <a:t>Branch : </a:t>
+            </a:r>
+            <a:r>
+              <a:rPr dirty="0" err="1"/>
+              <a:t>Btech</a:t>
+            </a:r>
+            <a:br>
+              <a:rPr dirty="0"/>
+            </a:br>
+            <a:r>
+              <a:rPr dirty="0"/>
               <a:t>Stream : CSAI</a:t>
             </a:r>
-            <a:br/>
-            <a:r>
+            <a:br>
+              <a:rPr dirty="0"/>
+            </a:br>
+            <a:r>
+              <a:rPr dirty="0"/>
               <a:t>Year : II</a:t>
             </a:r>
           </a:p>
@@ -4390,18 +4545,32 @@
               <a:defRPr sz="3150"/>
             </a:pPr>
             <a:r>
+              <a:rPr dirty="0"/>
               <a:t>Team Member 1 Name : Harsh Adhikari</a:t>
             </a:r>
-            <a:br/>
-            <a:r>
-              <a:t>Branch : Btech</a:t>
-            </a:r>
-            <a:br/>
-            <a:r>
+            <a:br>
+              <a:rPr dirty="0"/>
+            </a:br>
+            <a:r>
+              <a:rPr dirty="0"/>
+              <a:t>Branch : </a:t>
+            </a:r>
+            <a:r>
+              <a:rPr dirty="0" err="1"/>
+              <a:t>Btech</a:t>
+            </a:r>
+            <a:br>
+              <a:rPr dirty="0"/>
+            </a:br>
+            <a:r>
+              <a:rPr dirty="0"/>
               <a:t>Stream : CSAI</a:t>
             </a:r>
-            <a:br/>
-            <a:r>
+            <a:br>
+              <a:rPr dirty="0"/>
+            </a:br>
+            <a:r>
+              <a:rPr dirty="0"/>
               <a:t>Year : II</a:t>
             </a:r>
           </a:p>
@@ -4413,18 +4582,40 @@
               <a:defRPr sz="3150"/>
             </a:pPr>
             <a:r>
-              <a:t>Team Member 2 Name : Tarun Kishore</a:t>
-            </a:r>
-            <a:br/>
-            <a:r>
-              <a:t>Branch : Btech</a:t>
-            </a:r>
-            <a:br/>
-            <a:r>
+              <a:rPr dirty="0"/>
+              <a:t>Team Member 2 Name : </a:t>
+            </a:r>
+            <a:r>
+              <a:rPr dirty="0" err="1"/>
+              <a:t>Tarun</a:t>
+            </a:r>
+            <a:r>
+              <a:rPr dirty="0"/>
+              <a:t> Kishore</a:t>
+            </a:r>
+            <a:br>
+              <a:rPr dirty="0"/>
+            </a:br>
+            <a:r>
+              <a:rPr dirty="0"/>
+              <a:t>Branch : </a:t>
+            </a:r>
+            <a:r>
+              <a:rPr dirty="0" err="1"/>
+              <a:t>Btech</a:t>
+            </a:r>
+            <a:br>
+              <a:rPr dirty="0"/>
+            </a:br>
+            <a:r>
+              <a:rPr dirty="0"/>
               <a:t>Stream : CSAI</a:t>
             </a:r>
-            <a:br/>
-            <a:r>
+            <a:br>
+              <a:rPr dirty="0"/>
+            </a:br>
+            <a:r>
+              <a:rPr dirty="0"/>
               <a:t>Year : II</a:t>
             </a:r>
           </a:p>
@@ -4436,22 +4627,46 @@
               <a:defRPr sz="3150"/>
             </a:pPr>
             <a:r>
+              <a:rPr dirty="0">
+                <a:solidFill>
+                  <a:srgbClr val="000000"/>
+                </a:solidFill>
+              </a:rPr>
+              <a:t>Team Mentor 1 Name : Dr. </a:t>
+            </a:r>
+            <a:r>
               <a:rPr>
                 <a:solidFill>
                   <a:srgbClr val="000000"/>
                 </a:solidFill>
               </a:rPr>
-              <a:t>Team Mentor 1 Name : Dr. Pinaki </a:t>
-            </a:r>
-            <a:br>
+              <a:t>Pinaki</a:t>
+            </a:r>
+            <a:r>
+              <a:rPr lang="en-US">
+                <a:solidFill>
+                  <a:srgbClr val="000000"/>
+                </a:solidFill>
+              </a:rPr>
+              <a:t> Chakraborty</a:t>
+            </a:r>
+            <a:r>
               <a:rPr>
                 <a:solidFill>
                   <a:srgbClr val="000000"/>
                 </a:solidFill>
               </a:rPr>
+              <a:t> </a:t>
+            </a:r>
+            <a:br>
+              <a:rPr dirty="0">
+                <a:solidFill>
+                  <a:srgbClr val="000000"/>
+                </a:solidFill>
+              </a:rPr>
             </a:br>
             <a:r>
-              <a:rPr>
+              <a:rPr dirty="0">
                 <a:solidFill>
                   <a:srgbClr val="000000"/>
                 </a:solidFill>
@@ -4459,14 +4674,14 @@
               <a:t>Category : Academic</a:t>
             </a:r>
             <a:br>
-              <a:rPr>
+              <a:rPr dirty="0">
                 <a:solidFill>
                   <a:srgbClr val="000000"/>
                 </a:solidFill>
               </a:rPr>
             </a:br>
             <a:r>
-              <a:rPr>
+              <a:rPr dirty="0">
                 <a:solidFill>
                   <a:srgbClr val="000000"/>
                 </a:solidFill>
@@ -4474,21 +4689,24 @@
               <a:t>Expertise : Operating systems</a:t>
             </a:r>
             <a:br>
-              <a:rPr>
+              <a:rPr dirty="0">
                 <a:solidFill>
                   <a:srgbClr val="000000"/>
                 </a:solidFill>
               </a:rPr>
             </a:br>
             <a:r>
-              <a:rPr>
+              <a:rPr dirty="0">
                 <a:solidFill>
                   <a:srgbClr val="000000"/>
                 </a:solidFill>
               </a:rPr>
               <a:t>Domain Experience : 20+ years</a:t>
             </a:r>
-            <a:br/>
+            <a:br>
+              <a:rPr dirty="0"/>
+            </a:br>
+            <a:endParaRPr dirty="0"/>
           </a:p>
         </p:txBody>
       </p:sp>
@@ -4511,13 +4729,13 @@
           </a:ln>
           <a:extLst>
             <a:ext uri="{C572A759-6A51-4108-AA02-DFA0A04FC94B}">
-              <ma14:wrappingTextBoxFlag xmlns:ma14="http://schemas.microsoft.com/office/mac/drawingml/2011/main" val="1"/>
+              <ma14:wrappingTextBoxFlag xmlns="" xmlns:m="http://schemas.openxmlformats.org/officeDocument/2006/math" xmlns:a14="http://schemas.microsoft.com/office/drawing/2010/main" xmlns:ma14="http://schemas.microsoft.com/office/mac/drawingml/2011/main" val="1"/>
             </a:ext>
           </a:extLst>
         </p:spPr>
         <p:txBody>
           <a:bodyPr lIns="50800" tIns="50800" rIns="50800" bIns="50800">
-            <a:normAutofit fontScale="100000" lnSpcReduction="0"/>
+            <a:normAutofit/>
           </a:bodyPr>
           <a:lstStyle/>
           <a:p>
@@ -4528,7 +4746,7 @@
               <a:buSzPct val="75000"/>
               <a:buFont typeface="Zapf Dingbats"/>
               <a:buChar char="➤"/>
-              <a:defRPr i="0" spc="0" sz="3150"/>
+              <a:defRPr sz="3150" i="0" spc="0"/>
             </a:pPr>
             <a:r>
               <a:t>Team Member 3 Name : Himanshu Rathore</a:t>
@@ -4554,7 +4772,7 @@
               <a:buSzPct val="75000"/>
               <a:buFont typeface="Zapf Dingbats"/>
               <a:buChar char="➤"/>
-              <a:defRPr i="0" spc="0" sz="3150"/>
+              <a:defRPr sz="3150" i="0" spc="0"/>
             </a:pPr>
             <a:r>
               <a:t>Team Member 4 Name : Chetan</a:t>
@@ -4580,7 +4798,7 @@
               <a:buSzPct val="75000"/>
               <a:buFont typeface="Zapf Dingbats"/>
               <a:buChar char="➤"/>
-              <a:defRPr i="0" spc="0" sz="3150"/>
+              <a:defRPr sz="3150" i="0" spc="0"/>
             </a:pPr>
             <a:r>
               <a:t>Team Member 5 Name : Pavani Dubey</a:t>
@@ -4606,7 +4824,7 @@
               <a:buSzPct val="75000"/>
               <a:buFont typeface="Zapf Dingbats"/>
               <a:buChar char="➤"/>
-              <a:defRPr i="0" spc="0" sz="3150"/>
+              <a:defRPr sz="3150" i="0" spc="0"/>
             </a:pPr>
             <a:r>
               <a:rPr>
@@ -4662,6 +4880,7 @@
               <a:t>Domain Experience : 30+ years</a:t>
             </a:r>
             <a:br/>
+            <a:endParaRPr/>
           </a:p>
         </p:txBody>
       </p:sp>
@@ -4670,12 +4889,12 @@
   <p:clrMapOvr>
     <a:masterClrMapping/>
   </p:clrMapOvr>
-  <p:transition xmlns:p14="http://schemas.microsoft.com/office/powerpoint/2010/main" spd="med" advClick="1"/>
+  <p:transition spd="med"/>
 </p:sld>
 </file>
 
 <file path=ppt/theme/theme1.xml><?xml version="1.0" encoding="utf-8"?>
-<a:theme xmlns:a="http://schemas.openxmlformats.org/drawingml/2006/main" xmlns:r="http://schemas.openxmlformats.org/officeDocument/2006/relationships" name="New_Template9">
+<a:theme xmlns:a="http://schemas.openxmlformats.org/drawingml/2006/main" name="New_Template9">
   <a:themeElements>
     <a:clrScheme name="New_Template9">
       <a:dk1>
@@ -4878,7 +5097,7 @@
         <a:effectLst/>
         <a:sp3d/>
       </a:spPr>
-      <a:bodyPr rot="0" spcFirstLastPara="1" vertOverflow="overflow" horzOverflow="overflow" vert="horz" wrap="square" lIns="50800" tIns="50800" rIns="50800" bIns="50800" numCol="1" spcCol="38100" rtlCol="0" anchor="ctr" upright="0">
+      <a:bodyPr rot="0" spcFirstLastPara="1" vertOverflow="overflow" horzOverflow="overflow" vert="horz" wrap="square" lIns="50800" tIns="50800" rIns="50800" bIns="50800" numCol="1" spcCol="38100" rtlCol="0" anchor="ctr">
         <a:spAutoFit/>
       </a:bodyPr>
       <a:lstStyle>
@@ -4897,7 +5116,7 @@
           <a:buFontTx/>
           <a:buNone/>
           <a:tabLst/>
-          <a:defRPr b="0" baseline="0" cap="none" i="0" spc="0" strike="noStrike" sz="3500" u="none" kumimoji="0" normalizeH="0">
+          <a:defRPr kumimoji="0" sz="3500" b="0" i="0" u="none" strike="noStrike" cap="none" spc="0" normalizeH="0" baseline="0">
             <a:ln>
               <a:noFill/>
             </a:ln>
@@ -4927,7 +5146,7 @@
           <a:buFontTx/>
           <a:buNone/>
           <a:tabLst/>
-          <a:defRPr b="0" baseline="0" cap="none" i="0" spc="0" strike="noStrike" sz="1800" u="none" kumimoji="0" normalizeH="0">
+          <a:defRPr kumimoji="0" sz="1800" b="0" i="0" u="none" strike="noStrike" cap="none" spc="0" normalizeH="0" baseline="0">
             <a:ln>
               <a:noFill/>
             </a:ln>
@@ -4953,7 +5172,7 @@
           <a:buFontTx/>
           <a:buNone/>
           <a:tabLst/>
-          <a:defRPr b="0" baseline="0" cap="none" i="0" spc="0" strike="noStrike" sz="1800" u="none" kumimoji="0" normalizeH="0">
+          <a:defRPr kumimoji="0" sz="1800" b="0" i="0" u="none" strike="noStrike" cap="none" spc="0" normalizeH="0" baseline="0">
             <a:ln>
               <a:noFill/>
             </a:ln>
@@ -4979,7 +5198,7 @@
           <a:buFontTx/>
           <a:buNone/>
           <a:tabLst/>
-          <a:defRPr b="0" baseline="0" cap="none" i="0" spc="0" strike="noStrike" sz="1800" u="none" kumimoji="0" normalizeH="0">
+          <a:defRPr kumimoji="0" sz="1800" b="0" i="0" u="none" strike="noStrike" cap="none" spc="0" normalizeH="0" baseline="0">
             <a:ln>
               <a:noFill/>
             </a:ln>
@@ -5005,7 +5224,7 @@
           <a:buFontTx/>
           <a:buNone/>
           <a:tabLst/>
-          <a:defRPr b="0" baseline="0" cap="none" i="0" spc="0" strike="noStrike" sz="1800" u="none" kumimoji="0" normalizeH="0">
+          <a:defRPr kumimoji="0" sz="1800" b="0" i="0" u="none" strike="noStrike" cap="none" spc="0" normalizeH="0" baseline="0">
             <a:ln>
               <a:noFill/>
             </a:ln>
@@ -5031,7 +5250,7 @@
           <a:buFontTx/>
           <a:buNone/>
           <a:tabLst/>
-          <a:defRPr b="0" baseline="0" cap="none" i="0" spc="0" strike="noStrike" sz="1800" u="none" kumimoji="0" normalizeH="0">
+          <a:defRPr kumimoji="0" sz="1800" b="0" i="0" u="none" strike="noStrike" cap="none" spc="0" normalizeH="0" baseline="0">
             <a:ln>
               <a:noFill/>
             </a:ln>
@@ -5057,7 +5276,7 @@
           <a:buFontTx/>
           <a:buNone/>
           <a:tabLst/>
-          <a:defRPr b="0" baseline="0" cap="none" i="0" spc="0" strike="noStrike" sz="1800" u="none" kumimoji="0" normalizeH="0">
+          <a:defRPr kumimoji="0" sz="1800" b="0" i="0" u="none" strike="noStrike" cap="none" spc="0" normalizeH="0" baseline="0">
             <a:ln>
               <a:noFill/>
             </a:ln>
@@ -5083,7 +5302,7 @@
           <a:buFontTx/>
           <a:buNone/>
           <a:tabLst/>
-          <a:defRPr b="0" baseline="0" cap="none" i="0" spc="0" strike="noStrike" sz="1800" u="none" kumimoji="0" normalizeH="0">
+          <a:defRPr kumimoji="0" sz="1800" b="0" i="0" u="none" strike="noStrike" cap="none" spc="0" normalizeH="0" baseline="0">
             <a:ln>
               <a:noFill/>
             </a:ln>
@@ -5109,7 +5328,7 @@
           <a:buFontTx/>
           <a:buNone/>
           <a:tabLst/>
-          <a:defRPr b="0" baseline="0" cap="none" i="0" spc="0" strike="noStrike" sz="1800" u="none" kumimoji="0" normalizeH="0">
+          <a:defRPr kumimoji="0" sz="1800" b="0" i="0" u="none" strike="noStrike" cap="none" spc="0" normalizeH="0" baseline="0">
             <a:ln>
               <a:noFill/>
             </a:ln>
@@ -5135,7 +5354,7 @@
           <a:buFontTx/>
           <a:buNone/>
           <a:tabLst/>
-          <a:defRPr b="0" baseline="0" cap="none" i="0" spc="0" strike="noStrike" sz="1800" u="none" kumimoji="0" normalizeH="0">
+          <a:defRPr kumimoji="0" sz="1800" b="0" i="0" u="none" strike="noStrike" cap="none" spc="0" normalizeH="0" baseline="0">
             <a:ln>
               <a:noFill/>
             </a:ln>
@@ -5148,9 +5367,15 @@
         </a:lvl9pPr>
       </a:lstStyle>
       <a:style>
-        <a:lnRef idx="0"/>
-        <a:fillRef idx="0"/>
-        <a:effectRef idx="0"/>
+        <a:lnRef idx="0">
+          <a:scrgbClr r="0" g="0" b="0"/>
+        </a:lnRef>
+        <a:fillRef idx="0">
+          <a:scrgbClr r="0" g="0" b="0"/>
+        </a:fillRef>
+        <a:effectRef idx="0">
+          <a:scrgbClr r="0" g="0" b="0"/>
+        </a:effectRef>
         <a:fontRef idx="none"/>
       </a:style>
     </a:spDef>
@@ -5167,7 +5392,7 @@
         <a:effectLst/>
         <a:sp3d/>
       </a:spPr>
-      <a:bodyPr rot="0" spcFirstLastPara="1" vertOverflow="overflow" horzOverflow="overflow" vert="horz" wrap="square" lIns="91439" tIns="45719" rIns="91439" bIns="45719" numCol="1" spcCol="38100" rtlCol="0" anchor="t" upright="0">
+      <a:bodyPr rot="0" spcFirstLastPara="1" vertOverflow="overflow" horzOverflow="overflow" vert="horz" wrap="square" lIns="91439" tIns="45719" rIns="91439" bIns="45719" numCol="1" spcCol="38100" rtlCol="0" anchor="t">
         <a:noAutofit/>
       </a:bodyPr>
       <a:lstStyle>
@@ -5186,7 +5411,7 @@
           <a:buFontTx/>
           <a:buNone/>
           <a:tabLst/>
-          <a:defRPr b="0" baseline="0" cap="none" i="0" spc="0" strike="noStrike" sz="1800" u="none" kumimoji="0" normalizeH="0">
+          <a:defRPr kumimoji="0" sz="1800" b="0" i="0" u="none" strike="noStrike" cap="none" spc="0" normalizeH="0" baseline="0">
             <a:ln>
               <a:noFill/>
             </a:ln>
@@ -5212,7 +5437,7 @@
           <a:buFontTx/>
           <a:buNone/>
           <a:tabLst/>
-          <a:defRPr b="0" baseline="0" cap="none" i="0" spc="0" strike="noStrike" sz="1800" u="none" kumimoji="0" normalizeH="0">
+          <a:defRPr kumimoji="0" sz="1800" b="0" i="0" u="none" strike="noStrike" cap="none" spc="0" normalizeH="0" baseline="0">
             <a:ln>
               <a:noFill/>
             </a:ln>
@@ -5238,7 +5463,7 @@
           <a:buFontTx/>
           <a:buNone/>
           <a:tabLst/>
-          <a:defRPr b="0" baseline="0" cap="none" i="0" spc="0" strike="noStrike" sz="1800" u="none" kumimoji="0" normalizeH="0">
+          <a:defRPr kumimoji="0" sz="1800" b="0" i="0" u="none" strike="noStrike" cap="none" spc="0" normalizeH="0" baseline="0">
             <a:ln>
               <a:noFill/>
             </a:ln>
@@ -5264,7 +5489,7 @@
           <a:buFontTx/>
           <a:buNone/>
           <a:tabLst/>
-          <a:defRPr b="0" baseline="0" cap="none" i="0" spc="0" strike="noStrike" sz="1800" u="none" kumimoji="0" normalizeH="0">
+          <a:defRPr kumimoji="0" sz="1800" b="0" i="0" u="none" strike="noStrike" cap="none" spc="0" normalizeH="0" baseline="0">
             <a:ln>
               <a:noFill/>
             </a:ln>
@@ -5290,7 +5515,7 @@
           <a:buFontTx/>
           <a:buNone/>
           <a:tabLst/>
-          <a:defRPr b="0" baseline="0" cap="none" i="0" spc="0" strike="noStrike" sz="1800" u="none" kumimoji="0" normalizeH="0">
+          <a:defRPr kumimoji="0" sz="1800" b="0" i="0" u="none" strike="noStrike" cap="none" spc="0" normalizeH="0" baseline="0">
             <a:ln>
               <a:noFill/>
             </a:ln>
@@ -5316,7 +5541,7 @@
           <a:buFontTx/>
           <a:buNone/>
           <a:tabLst/>
-          <a:defRPr b="0" baseline="0" cap="none" i="0" spc="0" strike="noStrike" sz="1800" u="none" kumimoji="0" normalizeH="0">
+          <a:defRPr kumimoji="0" sz="1800" b="0" i="0" u="none" strike="noStrike" cap="none" spc="0" normalizeH="0" baseline="0">
             <a:ln>
               <a:noFill/>
             </a:ln>
@@ -5342,7 +5567,7 @@
           <a:buFontTx/>
           <a:buNone/>
           <a:tabLst/>
-          <a:defRPr b="0" baseline="0" cap="none" i="0" spc="0" strike="noStrike" sz="1800" u="none" kumimoji="0" normalizeH="0">
+          <a:defRPr kumimoji="0" sz="1800" b="0" i="0" u="none" strike="noStrike" cap="none" spc="0" normalizeH="0" baseline="0">
             <a:ln>
               <a:noFill/>
             </a:ln>
@@ -5368,7 +5593,7 @@
           <a:buFontTx/>
           <a:buNone/>
           <a:tabLst/>
-          <a:defRPr b="0" baseline="0" cap="none" i="0" spc="0" strike="noStrike" sz="1800" u="none" kumimoji="0" normalizeH="0">
+          <a:defRPr kumimoji="0" sz="1800" b="0" i="0" u="none" strike="noStrike" cap="none" spc="0" normalizeH="0" baseline="0">
             <a:ln>
               <a:noFill/>
             </a:ln>
@@ -5394,7 +5619,7 @@
           <a:buFontTx/>
           <a:buNone/>
           <a:tabLst/>
-          <a:defRPr b="0" baseline="0" cap="none" i="0" spc="0" strike="noStrike" sz="1800" u="none" kumimoji="0" normalizeH="0">
+          <a:defRPr kumimoji="0" sz="1800" b="0" i="0" u="none" strike="noStrike" cap="none" spc="0" normalizeH="0" baseline="0">
             <a:ln>
               <a:noFill/>
             </a:ln>
@@ -5420,7 +5645,7 @@
           <a:buFontTx/>
           <a:buNone/>
           <a:tabLst/>
-          <a:defRPr b="0" baseline="0" cap="none" i="0" spc="0" strike="noStrike" sz="1800" u="none" kumimoji="0" normalizeH="0">
+          <a:defRPr kumimoji="0" sz="1800" b="0" i="0" u="none" strike="noStrike" cap="none" spc="0" normalizeH="0" baseline="0">
             <a:ln>
               <a:noFill/>
             </a:ln>
@@ -5433,9 +5658,15 @@
         </a:lvl9pPr>
       </a:lstStyle>
       <a:style>
-        <a:lnRef idx="0"/>
-        <a:fillRef idx="0"/>
-        <a:effectRef idx="0"/>
+        <a:lnRef idx="0">
+          <a:scrgbClr r="0" g="0" b="0"/>
+        </a:lnRef>
+        <a:fillRef idx="0">
+          <a:scrgbClr r="0" g="0" b="0"/>
+        </a:fillRef>
+        <a:effectRef idx="0">
+          <a:scrgbClr r="0" g="0" b="0"/>
+        </a:effectRef>
         <a:fontRef idx="none"/>
       </a:style>
     </a:lnDef>
@@ -5449,7 +5680,7 @@
         <a:effectLst/>
         <a:sp3d/>
       </a:spPr>
-      <a:bodyPr rot="0" spcFirstLastPara="1" vertOverflow="overflow" horzOverflow="overflow" vert="horz" wrap="square" lIns="50800" tIns="50800" rIns="50800" bIns="50800" numCol="1" spcCol="38100" rtlCol="0" anchor="ctr" upright="0">
+      <a:bodyPr rot="0" spcFirstLastPara="1" vertOverflow="overflow" horzOverflow="overflow" vert="horz" wrap="square" lIns="50800" tIns="50800" rIns="50800" bIns="50800" numCol="1" spcCol="38100" rtlCol="0" anchor="ctr">
         <a:spAutoFit/>
       </a:bodyPr>
       <a:lstStyle>
@@ -5468,7 +5699,7 @@
           <a:buFontTx/>
           <a:buNone/>
           <a:tabLst/>
-          <a:defRPr b="0" baseline="0" cap="none" i="1" spc="39" strike="noStrike" sz="4000" u="none" kumimoji="0" normalizeH="0">
+          <a:defRPr kumimoji="0" sz="4000" b="0" i="1" u="none" strike="noStrike" cap="none" spc="39" normalizeH="0" baseline="0">
             <a:ln>
               <a:noFill/>
             </a:ln>
@@ -5498,7 +5729,7 @@
           <a:buFontTx/>
           <a:buNone/>
           <a:tabLst/>
-          <a:defRPr b="0" baseline="0" cap="none" i="0" spc="0" strike="noStrike" sz="1800" u="none" kumimoji="0" normalizeH="0">
+          <a:defRPr kumimoji="0" sz="1800" b="0" i="0" u="none" strike="noStrike" cap="none" spc="0" normalizeH="0" baseline="0">
             <a:ln>
               <a:noFill/>
             </a:ln>
@@ -5524,7 +5755,7 @@
           <a:buFontTx/>
           <a:buNone/>
           <a:tabLst/>
-          <a:defRPr b="0" baseline="0" cap="none" i="0" spc="0" strike="noStrike" sz="1800" u="none" kumimoji="0" normalizeH="0">
+          <a:defRPr kumimoji="0" sz="1800" b="0" i="0" u="none" strike="noStrike" cap="none" spc="0" normalizeH="0" baseline="0">
             <a:ln>
               <a:noFill/>
             </a:ln>
@@ -5550,7 +5781,7 @@
           <a:buFontTx/>
           <a:buNone/>
           <a:tabLst/>
-          <a:defRPr b="0" baseline="0" cap="none" i="0" spc="0" strike="noStrike" sz="1800" u="none" kumimoji="0" normalizeH="0">
+          <a:defRPr kumimoji="0" sz="1800" b="0" i="0" u="none" strike="noStrike" cap="none" spc="0" normalizeH="0" baseline="0">
             <a:ln>
               <a:noFill/>
             </a:ln>
@@ -5576,7 +5807,7 @@
           <a:buFontTx/>
           <a:buNone/>
           <a:tabLst/>
-          <a:defRPr b="0" baseline="0" cap="none" i="0" spc="0" strike="noStrike" sz="1800" u="none" kumimoji="0" normalizeH="0">
+          <a:defRPr kumimoji="0" sz="1800" b="0" i="0" u="none" strike="noStrike" cap="none" spc="0" normalizeH="0" baseline="0">
             <a:ln>
               <a:noFill/>
             </a:ln>
@@ -5602,7 +5833,7 @@
           <a:buFontTx/>
           <a:buNone/>
           <a:tabLst/>
-          <a:defRPr b="0" baseline="0" cap="none" i="0" spc="0" strike="noStrike" sz="1800" u="none" kumimoji="0" normalizeH="0">
+          <a:defRPr kumimoji="0" sz="1800" b="0" i="0" u="none" strike="noStrike" cap="none" spc="0" normalizeH="0" baseline="0">
             <a:ln>
               <a:noFill/>
             </a:ln>
@@ -5628,7 +5859,7 @@
           <a:buFontTx/>
           <a:buNone/>
           <a:tabLst/>
-          <a:defRPr b="0" baseline="0" cap="none" i="0" spc="0" strike="noStrike" sz="1800" u="none" kumimoji="0" normalizeH="0">
+          <a:defRPr kumimoji="0" sz="1800" b="0" i="0" u="none" strike="noStrike" cap="none" spc="0" normalizeH="0" baseline="0">
             <a:ln>
               <a:noFill/>
             </a:ln>
@@ -5654,7 +5885,7 @@
           <a:buFontTx/>
           <a:buNone/>
           <a:tabLst/>
-          <a:defRPr b="0" baseline="0" cap="none" i="0" spc="0" strike="noStrike" sz="1800" u="none" kumimoji="0" normalizeH="0">
+          <a:defRPr kumimoji="0" sz="1800" b="0" i="0" u="none" strike="noStrike" cap="none" spc="0" normalizeH="0" baseline="0">
             <a:ln>
               <a:noFill/>
             </a:ln>
@@ -5680,7 +5911,7 @@
           <a:buFontTx/>
           <a:buNone/>
           <a:tabLst/>
-          <a:defRPr b="0" baseline="0" cap="none" i="0" spc="0" strike="noStrike" sz="1800" u="none" kumimoji="0" normalizeH="0">
+          <a:defRPr kumimoji="0" sz="1800" b="0" i="0" u="none" strike="noStrike" cap="none" spc="0" normalizeH="0" baseline="0">
             <a:ln>
               <a:noFill/>
             </a:ln>
@@ -5706,7 +5937,7 @@
           <a:buFontTx/>
           <a:buNone/>
           <a:tabLst/>
-          <a:defRPr b="0" baseline="0" cap="none" i="0" spc="0" strike="noStrike" sz="1800" u="none" kumimoji="0" normalizeH="0">
+          <a:defRPr kumimoji="0" sz="1800" b="0" i="0" u="none" strike="noStrike" cap="none" spc="0" normalizeH="0" baseline="0">
             <a:ln>
               <a:noFill/>
             </a:ln>
@@ -5719,18 +5950,25 @@
         </a:lvl9pPr>
       </a:lstStyle>
       <a:style>
-        <a:lnRef idx="0"/>
-        <a:fillRef idx="0"/>
-        <a:effectRef idx="0"/>
+        <a:lnRef idx="0">
+          <a:scrgbClr r="0" g="0" b="0"/>
+        </a:lnRef>
+        <a:fillRef idx="0">
+          <a:scrgbClr r="0" g="0" b="0"/>
+        </a:fillRef>
+        <a:effectRef idx="0">
+          <a:scrgbClr r="0" g="0" b="0"/>
+        </a:effectRef>
         <a:fontRef idx="none"/>
       </a:style>
     </a:txDef>
   </a:objectDefaults>
+  <a:extraClrSchemeLst/>
 </a:theme>
 </file>
 
 <file path=ppt/theme/theme2.xml><?xml version="1.0" encoding="utf-8"?>
-<a:theme xmlns:a="http://schemas.openxmlformats.org/drawingml/2006/main" xmlns:r="http://schemas.openxmlformats.org/officeDocument/2006/relationships" name="New_Template9">
+<a:theme xmlns:a="http://schemas.openxmlformats.org/drawingml/2006/main" name="New_Template9">
   <a:themeElements>
     <a:clrScheme name="New_Template9">
       <a:dk1>
@@ -5933,7 +6171,7 @@
         <a:effectLst/>
         <a:sp3d/>
       </a:spPr>
-      <a:bodyPr rot="0" spcFirstLastPara="1" vertOverflow="overflow" horzOverflow="overflow" vert="horz" wrap="square" lIns="50800" tIns="50800" rIns="50800" bIns="50800" numCol="1" spcCol="38100" rtlCol="0" anchor="ctr" upright="0">
+      <a:bodyPr rot="0" spcFirstLastPara="1" vertOverflow="overflow" horzOverflow="overflow" vert="horz" wrap="square" lIns="50800" tIns="50800" rIns="50800" bIns="50800" numCol="1" spcCol="38100" rtlCol="0" anchor="ctr">
         <a:spAutoFit/>
       </a:bodyPr>
       <a:lstStyle>
@@ -5952,7 +6190,7 @@
           <a:buFontTx/>
           <a:buNone/>
           <a:tabLst/>
-          <a:defRPr b="0" baseline="0" cap="none" i="0" spc="0" strike="noStrike" sz="3500" u="none" kumimoji="0" normalizeH="0">
+          <a:defRPr kumimoji="0" sz="3500" b="0" i="0" u="none" strike="noStrike" cap="none" spc="0" normalizeH="0" baseline="0">
             <a:ln>
               <a:noFill/>
             </a:ln>
@@ -5982,7 +6220,7 @@
           <a:buFontTx/>
           <a:buNone/>
           <a:tabLst/>
-          <a:defRPr b="0" baseline="0" cap="none" i="0" spc="0" strike="noStrike" sz="1800" u="none" kumimoji="0" normalizeH="0">
+          <a:defRPr kumimoji="0" sz="1800" b="0" i="0" u="none" strike="noStrike" cap="none" spc="0" normalizeH="0" baseline="0">
             <a:ln>
               <a:noFill/>
             </a:ln>
@@ -6008,7 +6246,7 @@
           <a:buFontTx/>
           <a:buNone/>
           <a:tabLst/>
-          <a:defRPr b="0" baseline="0" cap="none" i="0" spc="0" strike="noStrike" sz="1800" u="none" kumimoji="0" normalizeH="0">
+          <a:defRPr kumimoji="0" sz="1800" b="0" i="0" u="none" strike="noStrike" cap="none" spc="0" normalizeH="0" baseline="0">
             <a:ln>
               <a:noFill/>
             </a:ln>
@@ -6034,7 +6272,7 @@
           <a:buFontTx/>
           <a:buNone/>
           <a:tabLst/>
-          <a:defRPr b="0" baseline="0" cap="none" i="0" spc="0" strike="noStrike" sz="1800" u="none" kumimoji="0" normalizeH="0">
+          <a:defRPr kumimoji="0" sz="1800" b="0" i="0" u="none" strike="noStrike" cap="none" spc="0" normalizeH="0" baseline="0">
             <a:ln>
               <a:noFill/>
             </a:ln>
@@ -6060,7 +6298,7 @@
           <a:buFontTx/>
           <a:buNone/>
           <a:tabLst/>
-          <a:defRPr b="0" baseline="0" cap="none" i="0" spc="0" strike="noStrike" sz="1800" u="none" kumimoji="0" normalizeH="0">
+          <a:defRPr kumimoji="0" sz="1800" b="0" i="0" u="none" strike="noStrike" cap="none" spc="0" normalizeH="0" baseline="0">
             <a:ln>
               <a:noFill/>
             </a:ln>
@@ -6086,7 +6324,7 @@
           <a:buFontTx/>
           <a:buNone/>
           <a:tabLst/>
-          <a:defRPr b="0" baseline="0" cap="none" i="0" spc="0" strike="noStrike" sz="1800" u="none" kumimoji="0" normalizeH="0">
+          <a:defRPr kumimoji="0" sz="1800" b="0" i="0" u="none" strike="noStrike" cap="none" spc="0" normalizeH="0" baseline="0">
             <a:ln>
               <a:noFill/>
             </a:ln>
@@ -6112,7 +6350,7 @@
           <a:buFontTx/>
           <a:buNone/>
           <a:tabLst/>
-          <a:defRPr b="0" baseline="0" cap="none" i="0" spc="0" strike="noStrike" sz="1800" u="none" kumimoji="0" normalizeH="0">
+          <a:defRPr kumimoji="0" sz="1800" b="0" i="0" u="none" strike="noStrike" cap="none" spc="0" normalizeH="0" baseline="0">
             <a:ln>
               <a:noFill/>
             </a:ln>
@@ -6138,7 +6376,7 @@
           <a:buFontTx/>
           <a:buNone/>
           <a:tabLst/>
-          <a:defRPr b="0" baseline="0" cap="none" i="0" spc="0" strike="noStrike" sz="1800" u="none" kumimoji="0" normalizeH="0">
+          <a:defRPr kumimoji="0" sz="1800" b="0" i="0" u="none" strike="noStrike" cap="none" spc="0" normalizeH="0" baseline="0">
             <a:ln>
               <a:noFill/>
             </a:ln>
@@ -6164,7 +6402,7 @@
           <a:buFontTx/>
           <a:buNone/>
           <a:tabLst/>
-          <a:defRPr b="0" baseline="0" cap="none" i="0" spc="0" strike="noStrike" sz="1800" u="none" kumimoji="0" normalizeH="0">
+          <a:defRPr kumimoji="0" sz="1800" b="0" i="0" u="none" strike="noStrike" cap="none" spc="0" normalizeH="0" baseline="0">
             <a:ln>
               <a:noFill/>
             </a:ln>
@@ -6190,7 +6428,7 @@
           <a:buFontTx/>
           <a:buNone/>
           <a:tabLst/>
-          <a:defRPr b="0" baseline="0" cap="none" i="0" spc="0" strike="noStrike" sz="1800" u="none" kumimoji="0" normalizeH="0">
+          <a:defRPr kumimoji="0" sz="1800" b="0" i="0" u="none" strike="noStrike" cap="none" spc="0" normalizeH="0" baseline="0">
             <a:ln>
               <a:noFill/>
             </a:ln>
@@ -6203,9 +6441,15 @@
         </a:lvl9pPr>
       </a:lstStyle>
       <a:style>
-        <a:lnRef idx="0"/>
-        <a:fillRef idx="0"/>
-        <a:effectRef idx="0"/>
+        <a:lnRef idx="0">
+          <a:scrgbClr r="0" g="0" b="0"/>
+        </a:lnRef>
+        <a:fillRef idx="0">
+          <a:scrgbClr r="0" g="0" b="0"/>
+        </a:fillRef>
+        <a:effectRef idx="0">
+          <a:scrgbClr r="0" g="0" b="0"/>
+        </a:effectRef>
         <a:fontRef idx="none"/>
       </a:style>
     </a:spDef>
@@ -6222,7 +6466,7 @@
         <a:effectLst/>
         <a:sp3d/>
       </a:spPr>
-      <a:bodyPr rot="0" spcFirstLastPara="1" vertOverflow="overflow" horzOverflow="overflow" vert="horz" wrap="square" lIns="91439" tIns="45719" rIns="91439" bIns="45719" numCol="1" spcCol="38100" rtlCol="0" anchor="t" upright="0">
+      <a:bodyPr rot="0" spcFirstLastPara="1" vertOverflow="overflow" horzOverflow="overflow" vert="horz" wrap="square" lIns="91439" tIns="45719" rIns="91439" bIns="45719" numCol="1" spcCol="38100" rtlCol="0" anchor="t">
         <a:noAutofit/>
       </a:bodyPr>
       <a:lstStyle>
@@ -6241,7 +6485,7 @@
           <a:buFontTx/>
           <a:buNone/>
           <a:tabLst/>
-          <a:defRPr b="0" baseline="0" cap="none" i="0" spc="0" strike="noStrike" sz="1800" u="none" kumimoji="0" normalizeH="0">
+          <a:defRPr kumimoji="0" sz="1800" b="0" i="0" u="none" strike="noStrike" cap="none" spc="0" normalizeH="0" baseline="0">
             <a:ln>
               <a:noFill/>
             </a:ln>
@@ -6267,7 +6511,7 @@
           <a:buFontTx/>
           <a:buNone/>
           <a:tabLst/>
-          <a:defRPr b="0" baseline="0" cap="none" i="0" spc="0" strike="noStrike" sz="1800" u="none" kumimoji="0" normalizeH="0">
+          <a:defRPr kumimoji="0" sz="1800" b="0" i="0" u="none" strike="noStrike" cap="none" spc="0" normalizeH="0" baseline="0">
             <a:ln>
               <a:noFill/>
             </a:ln>
@@ -6293,7 +6537,7 @@
           <a:buFontTx/>
           <a:buNone/>
           <a:tabLst/>
-          <a:defRPr b="0" baseline="0" cap="none" i="0" spc="0" strike="noStrike" sz="1800" u="none" kumimoji="0" normalizeH="0">
+          <a:defRPr kumimoji="0" sz="1800" b="0" i="0" u="none" strike="noStrike" cap="none" spc="0" normalizeH="0" baseline="0">
             <a:ln>
               <a:noFill/>
             </a:ln>
@@ -6319,7 +6563,7 @@
           <a:buFontTx/>
           <a:buNone/>
           <a:tabLst/>
-          <a:defRPr b="0" baseline="0" cap="none" i="0" spc="0" strike="noStrike" sz="1800" u="none" kumimoji="0" normalizeH="0">
+          <a:defRPr kumimoji="0" sz="1800" b="0" i="0" u="none" strike="noStrike" cap="none" spc="0" normalizeH="0" baseline="0">
             <a:ln>
               <a:noFill/>
             </a:ln>
@@ -6345,7 +6589,7 @@
           <a:buFontTx/>
           <a:buNone/>
           <a:tabLst/>
-          <a:defRPr b="0" baseline="0" cap="none" i="0" spc="0" strike="noStrike" sz="1800" u="none" kumimoji="0" normalizeH="0">
+          <a:defRPr kumimoji="0" sz="1800" b="0" i="0" u="none" strike="noStrike" cap="none" spc="0" normalizeH="0" baseline="0">
             <a:ln>
               <a:noFill/>
             </a:ln>
@@ -6371,7 +6615,7 @@
           <a:buFontTx/>
           <a:buNone/>
           <a:tabLst/>
-          <a:defRPr b="0" baseline="0" cap="none" i="0" spc="0" strike="noStrike" sz="1800" u="none" kumimoji="0" normalizeH="0">
+          <a:defRPr kumimoji="0" sz="1800" b="0" i="0" u="none" strike="noStrike" cap="none" spc="0" normalizeH="0" baseline="0">
             <a:ln>
               <a:noFill/>
             </a:ln>
@@ -6397,7 +6641,7 @@
           <a:buFontTx/>
           <a:buNone/>
           <a:tabLst/>
-          <a:defRPr b="0" baseline="0" cap="none" i="0" spc="0" strike="noStrike" sz="1800" u="none" kumimoji="0" normalizeH="0">
+          <a:defRPr kumimoji="0" sz="1800" b="0" i="0" u="none" strike="noStrike" cap="none" spc="0" normalizeH="0" baseline="0">
             <a:ln>
               <a:noFill/>
             </a:ln>
@@ -6423,7 +6667,7 @@
           <a:buFontTx/>
           <a:buNone/>
           <a:tabLst/>
-          <a:defRPr b="0" baseline="0" cap="none" i="0" spc="0" strike="noStrike" sz="1800" u="none" kumimoji="0" normalizeH="0">
+          <a:defRPr kumimoji="0" sz="1800" b="0" i="0" u="none" strike="noStrike" cap="none" spc="0" normalizeH="0" baseline="0">
             <a:ln>
               <a:noFill/>
             </a:ln>
@@ -6449,7 +6693,7 @@
           <a:buFontTx/>
           <a:buNone/>
           <a:tabLst/>
-          <a:defRPr b="0" baseline="0" cap="none" i="0" spc="0" strike="noStrike" sz="1800" u="none" kumimoji="0" normalizeH="0">
+          <a:defRPr kumimoji="0" sz="1800" b="0" i="0" u="none" strike="noStrike" cap="none" spc="0" normalizeH="0" baseline="0">
             <a:ln>
               <a:noFill/>
             </a:ln>
@@ -6475,7 +6719,7 @@
           <a:buFontTx/>
           <a:buNone/>
           <a:tabLst/>
-          <a:defRPr b="0" baseline="0" cap="none" i="0" spc="0" strike="noStrike" sz="1800" u="none" kumimoji="0" normalizeH="0">
+          <a:defRPr kumimoji="0" sz="1800" b="0" i="0" u="none" strike="noStrike" cap="none" spc="0" normalizeH="0" baseline="0">
             <a:ln>
               <a:noFill/>
             </a:ln>
@@ -6488,9 +6732,15 @@
         </a:lvl9pPr>
       </a:lstStyle>
       <a:style>
-        <a:lnRef idx="0"/>
-        <a:fillRef idx="0"/>
-        <a:effectRef idx="0"/>
+        <a:lnRef idx="0">
+          <a:scrgbClr r="0" g="0" b="0"/>
+        </a:lnRef>
+        <a:fillRef idx="0">
+          <a:scrgbClr r="0" g="0" b="0"/>
+        </a:fillRef>
+        <a:effectRef idx="0">
+          <a:scrgbClr r="0" g="0" b="0"/>
+        </a:effectRef>
         <a:fontRef idx="none"/>
       </a:style>
     </a:lnDef>
@@ -6504,7 +6754,7 @@
         <a:effectLst/>
         <a:sp3d/>
       </a:spPr>
-      <a:bodyPr rot="0" spcFirstLastPara="1" vertOverflow="overflow" horzOverflow="overflow" vert="horz" wrap="square" lIns="50800" tIns="50800" rIns="50800" bIns="50800" numCol="1" spcCol="38100" rtlCol="0" anchor="ctr" upright="0">
+      <a:bodyPr rot="0" spcFirstLastPara="1" vertOverflow="overflow" horzOverflow="overflow" vert="horz" wrap="square" lIns="50800" tIns="50800" rIns="50800" bIns="50800" numCol="1" spcCol="38100" rtlCol="0" anchor="ctr">
         <a:spAutoFit/>
       </a:bodyPr>
       <a:lstStyle>
@@ -6523,7 +6773,7 @@
           <a:buFontTx/>
           <a:buNone/>
           <a:tabLst/>
-          <a:defRPr b="0" baseline="0" cap="none" i="1" spc="39" strike="noStrike" sz="4000" u="none" kumimoji="0" normalizeH="0">
+          <a:defRPr kumimoji="0" sz="4000" b="0" i="1" u="none" strike="noStrike" cap="none" spc="39" normalizeH="0" baseline="0">
             <a:ln>
               <a:noFill/>
             </a:ln>
@@ -6553,7 +6803,7 @@
           <a:buFontTx/>
           <a:buNone/>
           <a:tabLst/>
-          <a:defRPr b="0" baseline="0" cap="none" i="0" spc="0" strike="noStrike" sz="1800" u="none" kumimoji="0" normalizeH="0">
+          <a:defRPr kumimoji="0" sz="1800" b="0" i="0" u="none" strike="noStrike" cap="none" spc="0" normalizeH="0" baseline="0">
             <a:ln>
               <a:noFill/>
             </a:ln>
@@ -6579,7 +6829,7 @@
           <a:buFontTx/>
           <a:buNone/>
           <a:tabLst/>
-          <a:defRPr b="0" baseline="0" cap="none" i="0" spc="0" strike="noStrike" sz="1800" u="none" kumimoji="0" normalizeH="0">
+          <a:defRPr kumimoji="0" sz="1800" b="0" i="0" u="none" strike="noStrike" cap="none" spc="0" normalizeH="0" baseline="0">
             <a:ln>
               <a:noFill/>
             </a:ln>
@@ -6605,7 +6855,7 @@
           <a:buFontTx/>
           <a:buNone/>
           <a:tabLst/>
-          <a:defRPr b="0" baseline="0" cap="none" i="0" spc="0" strike="noStrike" sz="1800" u="none" kumimoji="0" normalizeH="0">
+          <a:defRPr kumimoji="0" sz="1800" b="0" i="0" u="none" strike="noStrike" cap="none" spc="0" normalizeH="0" baseline="0">
             <a:ln>
               <a:noFill/>
             </a:ln>
@@ -6631,7 +6881,7 @@
           <a:buFontTx/>
           <a:buNone/>
           <a:tabLst/>
-          <a:defRPr b="0" baseline="0" cap="none" i="0" spc="0" strike="noStrike" sz="1800" u="none" kumimoji="0" normalizeH="0">
+          <a:defRPr kumimoji="0" sz="1800" b="0" i="0" u="none" strike="noStrike" cap="none" spc="0" normalizeH="0" baseline="0">
             <a:ln>
               <a:noFill/>
             </a:ln>
@@ -6657,7 +6907,7 @@
           <a:buFontTx/>
           <a:buNone/>
           <a:tabLst/>
-          <a:defRPr b="0" baseline="0" cap="none" i="0" spc="0" strike="noStrike" sz="1800" u="none" kumimoji="0" normalizeH="0">
+          <a:defRPr kumimoji="0" sz="1800" b="0" i="0" u="none" strike="noStrike" cap="none" spc="0" normalizeH="0" baseline="0">
             <a:ln>
               <a:noFill/>
             </a:ln>
@@ -6683,7 +6933,7 @@
           <a:buFontTx/>
           <a:buNone/>
           <a:tabLst/>
-          <a:defRPr b="0" baseline="0" cap="none" i="0" spc="0" strike="noStrike" sz="1800" u="none" kumimoji="0" normalizeH="0">
+          <a:defRPr kumimoji="0" sz="1800" b="0" i="0" u="none" strike="noStrike" cap="none" spc="0" normalizeH="0" baseline="0">
             <a:ln>
               <a:noFill/>
             </a:ln>
@@ -6709,7 +6959,7 @@
           <a:buFontTx/>
           <a:buNone/>
           <a:tabLst/>
-          <a:defRPr b="0" baseline="0" cap="none" i="0" spc="0" strike="noStrike" sz="1800" u="none" kumimoji="0" normalizeH="0">
+          <a:defRPr kumimoji="0" sz="1800" b="0" i="0" u="none" strike="noStrike" cap="none" spc="0" normalizeH="0" baseline="0">
             <a:ln>
               <a:noFill/>
             </a:ln>
@@ -6735,7 +6985,7 @@
           <a:buFontTx/>
           <a:buNone/>
           <a:tabLst/>
-          <a:defRPr b="0" baseline="0" cap="none" i="0" spc="0" strike="noStrike" sz="1800" u="none" kumimoji="0" normalizeH="0">
+          <a:defRPr kumimoji="0" sz="1800" b="0" i="0" u="none" strike="noStrike" cap="none" spc="0" normalizeH="0" baseline="0">
             <a:ln>
               <a:noFill/>
             </a:ln>
@@ -6761,7 +7011,7 @@
           <a:buFontTx/>
           <a:buNone/>
           <a:tabLst/>
-          <a:defRPr b="0" baseline="0" cap="none" i="0" spc="0" strike="noStrike" sz="1800" u="none" kumimoji="0" normalizeH="0">
+          <a:defRPr kumimoji="0" sz="1800" b="0" i="0" u="none" strike="noStrike" cap="none" spc="0" normalizeH="0" baseline="0">
             <a:ln>
               <a:noFill/>
             </a:ln>
@@ -6774,12 +7024,19 @@
         </a:lvl9pPr>
       </a:lstStyle>
       <a:style>
-        <a:lnRef idx="0"/>
-        <a:fillRef idx="0"/>
-        <a:effectRef idx="0"/>
+        <a:lnRef idx="0">
+          <a:scrgbClr r="0" g="0" b="0"/>
+        </a:lnRef>
+        <a:fillRef idx="0">
+          <a:scrgbClr r="0" g="0" b="0"/>
+        </a:fillRef>
+        <a:effectRef idx="0">
+          <a:scrgbClr r="0" g="0" b="0"/>
+        </a:effectRef>
         <a:fontRef idx="none"/>
       </a:style>
     </a:txDef>
   </a:objectDefaults>
+  <a:extraClrSchemeLst/>
 </a:theme>
 </file>